--- a/asset/Learn_ja/ITA-Terraform-driver-practice_ja.pptx
+++ b/asset/Learn_ja/ITA-Terraform-driver-practice_ja.pptx
@@ -358,7 +358,7 @@
               <a:rPr kumimoji="1" lang="ja-JP" altLang="en-US" smtClean="0">
                 <a:ea typeface="メイリオ" panose="020B0604030504040204" pitchFamily="50" charset="-128"/>
               </a:rPr>
-              <a:t>2021/9/6</a:t>
+              <a:t>2022/2/16</a:t>
             </a:fld>
             <a:endParaRPr kumimoji="1" lang="ja-JP" altLang="en-US" dirty="0">
               <a:ea typeface="メイリオ" panose="020B0604030504040204" pitchFamily="50" charset="-128"/>
@@ -504,7 +504,7 @@
             <a:fld id="{4B26993D-C081-44EB-B0F5-A9F467792B62}" type="datetimeFigureOut">
               <a:rPr lang="ja-JP" altLang="en-US" smtClean="0"/>
               <a:pPr/>
-              <a:t>2021/9/6</a:t>
+              <a:t>2022/2/16</a:t>
             </a:fld>
             <a:endParaRPr lang="ja-JP" altLang="en-US" dirty="0"/>
           </a:p>
@@ -2297,7 +2297,7 @@
           <a:p>
             <a:fld id="{56F9016B-CCA6-43BE-8BEE-59565A35F4F7}" type="datetimeFigureOut">
               <a:rPr kumimoji="1" lang="ja-JP" altLang="en-US" smtClean="0"/>
-              <a:t>2021/9/6</a:t>
+              <a:t>2022/2/16</a:t>
             </a:fld>
             <a:endParaRPr kumimoji="1" lang="ja-JP" altLang="en-US"/>
           </a:p>
@@ -2499,7 +2499,7 @@
           <a:p>
             <a:fld id="{56F9016B-CCA6-43BE-8BEE-59565A35F4F7}" type="datetimeFigureOut">
               <a:rPr kumimoji="1" lang="ja-JP" altLang="en-US" smtClean="0"/>
-              <a:t>2021/9/6</a:t>
+              <a:t>2022/2/16</a:t>
             </a:fld>
             <a:endParaRPr kumimoji="1" lang="ja-JP" altLang="en-US"/>
           </a:p>
@@ -2745,7 +2745,7 @@
           <a:p>
             <a:fld id="{56F9016B-CCA6-43BE-8BEE-59565A35F4F7}" type="datetimeFigureOut">
               <a:rPr kumimoji="1" lang="ja-JP" altLang="en-US" smtClean="0"/>
-              <a:t>2021/9/6</a:t>
+              <a:t>2022/2/16</a:t>
             </a:fld>
             <a:endParaRPr kumimoji="1" lang="ja-JP" altLang="en-US"/>
           </a:p>
@@ -3041,7 +3041,7 @@
           <a:p>
             <a:fld id="{56F9016B-CCA6-43BE-8BEE-59565A35F4F7}" type="datetimeFigureOut">
               <a:rPr kumimoji="1" lang="ja-JP" altLang="en-US" smtClean="0"/>
-              <a:t>2021/9/6</a:t>
+              <a:t>2022/2/16</a:t>
             </a:fld>
             <a:endParaRPr kumimoji="1" lang="ja-JP" altLang="en-US"/>
           </a:p>
@@ -3472,7 +3472,7 @@
           <a:p>
             <a:fld id="{56F9016B-CCA6-43BE-8BEE-59565A35F4F7}" type="datetimeFigureOut">
               <a:rPr kumimoji="1" lang="ja-JP" altLang="en-US" smtClean="0"/>
-              <a:t>2021/9/6</a:t>
+              <a:t>2022/2/16</a:t>
             </a:fld>
             <a:endParaRPr kumimoji="1" lang="ja-JP" altLang="en-US"/>
           </a:p>
@@ -3590,7 +3590,7 @@
           <a:p>
             <a:fld id="{56F9016B-CCA6-43BE-8BEE-59565A35F4F7}" type="datetimeFigureOut">
               <a:rPr kumimoji="1" lang="ja-JP" altLang="en-US" smtClean="0"/>
-              <a:t>2021/9/6</a:t>
+              <a:t>2022/2/16</a:t>
             </a:fld>
             <a:endParaRPr kumimoji="1" lang="ja-JP" altLang="en-US"/>
           </a:p>
@@ -3685,7 +3685,7 @@
           <a:p>
             <a:fld id="{56F9016B-CCA6-43BE-8BEE-59565A35F4F7}" type="datetimeFigureOut">
               <a:rPr kumimoji="1" lang="ja-JP" altLang="en-US" smtClean="0"/>
-              <a:t>2021/9/6</a:t>
+              <a:t>2022/2/16</a:t>
             </a:fld>
             <a:endParaRPr kumimoji="1" lang="ja-JP" altLang="en-US"/>
           </a:p>
@@ -3994,7 +3994,7 @@
           <a:p>
             <a:fld id="{56F9016B-CCA6-43BE-8BEE-59565A35F4F7}" type="datetimeFigureOut">
               <a:rPr kumimoji="1" lang="ja-JP" altLang="en-US" smtClean="0"/>
-              <a:t>2021/9/6</a:t>
+              <a:t>2022/2/16</a:t>
             </a:fld>
             <a:endParaRPr kumimoji="1" lang="ja-JP" altLang="en-US"/>
           </a:p>
@@ -4247,7 +4247,7 @@
           <a:p>
             <a:fld id="{56F9016B-CCA6-43BE-8BEE-59565A35F4F7}" type="datetimeFigureOut">
               <a:rPr kumimoji="1" lang="ja-JP" altLang="en-US" smtClean="0"/>
-              <a:t>2021/9/6</a:t>
+              <a:t>2022/2/16</a:t>
             </a:fld>
             <a:endParaRPr kumimoji="1" lang="ja-JP" altLang="en-US"/>
           </a:p>
@@ -4524,7 +4524,7 @@
           <a:p>
             <a:fld id="{56F9016B-CCA6-43BE-8BEE-59565A35F4F7}" type="datetimeFigureOut">
               <a:rPr kumimoji="1" lang="ja-JP" altLang="en-US" smtClean="0"/>
-              <a:t>2021/9/6</a:t>
+              <a:t>2022/2/16</a:t>
             </a:fld>
             <a:endParaRPr kumimoji="1" lang="ja-JP" altLang="en-US"/>
           </a:p>
@@ -4736,7 +4736,7 @@
           <a:p>
             <a:fld id="{56F9016B-CCA6-43BE-8BEE-59565A35F4F7}" type="datetimeFigureOut">
               <a:rPr kumimoji="1" lang="ja-JP" altLang="en-US" smtClean="0"/>
-              <a:t>2021/9/6</a:t>
+              <a:t>2022/2/16</a:t>
             </a:fld>
             <a:endParaRPr kumimoji="1" lang="ja-JP" altLang="en-US"/>
           </a:p>
@@ -7795,7 +7795,7 @@
           <a:p>
             <a:fld id="{56F9016B-CCA6-43BE-8BEE-59565A35F4F7}" type="datetimeFigureOut">
               <a:rPr kumimoji="1" lang="ja-JP" altLang="en-US" smtClean="0"/>
-              <a:t>2021/9/6</a:t>
+              <a:t>2022/2/16</a:t>
             </a:fld>
             <a:endParaRPr kumimoji="1" lang="ja-JP" altLang="en-US"/>
           </a:p>
@@ -8257,7 +8257,7 @@
             </a:r>
             <a:r>
               <a:rPr lang="en-US" altLang="ja-JP" dirty="0" smtClean="0"/>
-              <a:t> 1.8</a:t>
+              <a:t> 1.9</a:t>
             </a:r>
           </a:p>
           <a:p>
@@ -8440,7 +8440,7 @@
           <a:p>
             <a:pPr algn="r"/>
             <a:r>
-              <a:rPr lang="en-US" altLang="ja-JP" sz="1400" b="1" kern="0">
+              <a:rPr lang="en-US" altLang="ja-JP" sz="1400" b="1" kern="0" dirty="0">
                 <a:solidFill>
                   <a:schemeClr val="tx2">
                     <a:lumMod val="75000"/>
@@ -8452,7 +8452,7 @@
               <a:t>※</a:t>
             </a:r>
             <a:r>
-              <a:rPr lang="ja-JP" altLang="en-US" sz="1400" b="1" kern="0" smtClean="0">
+              <a:rPr lang="ja-JP" altLang="en-US" sz="1400" b="1" kern="0" dirty="0" smtClean="0">
                 <a:solidFill>
                   <a:schemeClr val="tx2">
                     <a:lumMod val="75000"/>
@@ -8461,10 +8461,10 @@
                 </a:solidFill>
                 <a:latin typeface="+mn-lt"/>
               </a:rPr>
-              <a:t>本書</a:t>
-            </a:r>
-            <a:r>
-              <a:rPr lang="ja-JP" altLang="en-US" sz="1400" b="1" kern="0" dirty="0" smtClean="0">
+              <a:t>本書では「</a:t>
+            </a:r>
+            <a:r>
+              <a:rPr lang="en-US" altLang="ja-JP" sz="1400" b="1" kern="0" dirty="0" smtClean="0">
                 <a:solidFill>
                   <a:schemeClr val="tx2">
                     <a:lumMod val="75000"/>
@@ -8473,10 +8473,10 @@
                 </a:solidFill>
                 <a:latin typeface="+mn-lt"/>
               </a:rPr>
-              <a:t>では「</a:t>
-            </a:r>
-            <a:r>
-              <a:rPr lang="en-US" altLang="ja-JP" sz="1400" b="1" kern="0" dirty="0" smtClean="0">
+              <a:t>Exastro IT</a:t>
+            </a:r>
+            <a:r>
+              <a:rPr lang="ja-JP" altLang="en-US" sz="1400" b="1" kern="0" dirty="0" smtClean="0">
                 <a:solidFill>
                   <a:schemeClr val="tx2">
                     <a:lumMod val="75000"/>
@@ -8485,10 +8485,10 @@
                 </a:solidFill>
                 <a:latin typeface="+mn-lt"/>
               </a:rPr>
-              <a:t>Exastro IT</a:t>
-            </a:r>
-            <a:r>
-              <a:rPr lang="ja-JP" altLang="en-US" sz="1400" b="1" kern="0" dirty="0" smtClean="0">
+              <a:t> </a:t>
+            </a:r>
+            <a:r>
+              <a:rPr lang="en-US" altLang="ja-JP" sz="1400" b="1" kern="0" dirty="0" smtClean="0">
                 <a:solidFill>
                   <a:schemeClr val="tx2">
                     <a:lumMod val="75000"/>
@@ -8497,10 +8497,10 @@
                 </a:solidFill>
                 <a:latin typeface="+mn-lt"/>
               </a:rPr>
-              <a:t> </a:t>
-            </a:r>
-            <a:r>
-              <a:rPr lang="en-US" altLang="ja-JP" sz="1400" b="1" kern="0" dirty="0" smtClean="0">
+              <a:t>Automation</a:t>
+            </a:r>
+            <a:r>
+              <a:rPr lang="ja-JP" altLang="en-US" sz="1400" b="1" kern="0" dirty="0" smtClean="0">
                 <a:solidFill>
                   <a:schemeClr val="tx2">
                     <a:lumMod val="75000"/>
@@ -8509,10 +8509,10 @@
                 </a:solidFill>
                 <a:latin typeface="+mn-lt"/>
               </a:rPr>
-              <a:t>Automation</a:t>
-            </a:r>
-            <a:r>
-              <a:rPr lang="ja-JP" altLang="en-US" sz="1400" b="1" kern="0" smtClean="0">
+              <a:t>」を「</a:t>
+            </a:r>
+            <a:r>
+              <a:rPr lang="en-US" altLang="ja-JP" sz="1400" b="1" kern="0" dirty="0" smtClean="0">
                 <a:solidFill>
                   <a:schemeClr val="tx2">
                     <a:lumMod val="75000"/>
@@ -8521,10 +8521,10 @@
                 </a:solidFill>
                 <a:latin typeface="+mn-lt"/>
               </a:rPr>
-              <a:t>」を「</a:t>
-            </a:r>
-            <a:r>
-              <a:rPr lang="en-US" altLang="ja-JP" sz="1400" b="1" kern="0" dirty="0" smtClean="0">
+              <a:t>ITA</a:t>
+            </a:r>
+            <a:r>
+              <a:rPr lang="ja-JP" altLang="en-US" sz="1400" b="1" kern="0" dirty="0" smtClean="0">
                 <a:solidFill>
                   <a:schemeClr val="tx2">
                     <a:lumMod val="75000"/>
@@ -8533,10 +8533,10 @@
                 </a:solidFill>
                 <a:latin typeface="+mn-lt"/>
               </a:rPr>
-              <a:t>ITA</a:t>
-            </a:r>
-            <a:r>
-              <a:rPr lang="ja-JP" altLang="en-US" sz="1400" b="1" kern="0" dirty="0" smtClean="0">
+              <a:t>」として記載します</a:t>
+            </a:r>
+            <a:r>
+              <a:rPr lang="ja-JP" altLang="en-US" sz="1400" b="1" kern="0" dirty="0">
                 <a:solidFill>
                   <a:schemeClr val="tx2">
                     <a:lumMod val="75000"/>
@@ -8545,41 +8545,8 @@
                 </a:solidFill>
                 <a:latin typeface="+mn-lt"/>
               </a:rPr>
-              <a:t>」として</a:t>
-            </a:r>
-            <a:r>
-              <a:rPr lang="ja-JP" altLang="en-US" sz="1400" b="1" kern="0" smtClean="0">
-                <a:solidFill>
-                  <a:schemeClr val="tx2">
-                    <a:lumMod val="75000"/>
-                    <a:lumOff val="25000"/>
-                  </a:schemeClr>
-                </a:solidFill>
-                <a:latin typeface="+mn-lt"/>
-              </a:rPr>
-              <a:t>記載します</a:t>
-            </a:r>
-            <a:r>
-              <a:rPr lang="ja-JP" altLang="en-US" sz="1400" b="1" kern="0">
-                <a:solidFill>
-                  <a:schemeClr val="tx2">
-                    <a:lumMod val="75000"/>
-                    <a:lumOff val="25000"/>
-                  </a:schemeClr>
-                </a:solidFill>
-                <a:latin typeface="+mn-lt"/>
-              </a:rPr>
               <a:t>。</a:t>
             </a:r>
-            <a:endParaRPr lang="ja-JP" altLang="en-US" sz="1400" b="1" kern="0" dirty="0">
-              <a:solidFill>
-                <a:schemeClr val="tx2">
-                  <a:lumMod val="75000"/>
-                  <a:lumOff val="25000"/>
-                </a:schemeClr>
-              </a:solidFill>
-              <a:latin typeface="+mn-lt"/>
-            </a:endParaRPr>
           </a:p>
         </p:txBody>
       </p:sp>
@@ -22958,7 +22925,7 @@
             </a:r>
             <a:r>
               <a:rPr kumimoji="1" lang="ja-JP" altLang="en-US" sz="1600" b="1" dirty="0" smtClean="0"/>
-              <a:t> 投入オペレーション一覧</a:t>
+              <a:t> オペレーション一覧</a:t>
             </a:r>
             <a:endParaRPr lang="en-US" altLang="ja-JP" sz="1600" b="1" dirty="0"/>
           </a:p>
@@ -23137,7 +23104,7 @@
                     <a:lstStyle/>
                     <a:p>
                       <a:r>
-                        <a:rPr kumimoji="1" lang="en-US" altLang="ja-JP" sz="1400" dirty="0" err="1" smtClean="0"/>
+                        <a:rPr kumimoji="1" lang="en-US" altLang="ja-JP" sz="1400" dirty="0" smtClean="0"/>
                         <a:t>Terraform_demo</a:t>
                       </a:r>
                       <a:endParaRPr kumimoji="1" lang="ja-JP" altLang="en-US" sz="1400" dirty="0"/>
@@ -23925,17 +23892,23 @@
             <a:endParaRPr lang="en-US" altLang="ja-JP" sz="1600" dirty="0"/>
           </a:p>
           <a:p>
-            <a:endParaRPr lang="en-US" altLang="ja-JP" sz="1600" dirty="0" smtClean="0"/>
-          </a:p>
-          <a:p>
-            <a:endParaRPr lang="en-US" altLang="ja-JP" sz="1600" dirty="0"/>
-          </a:p>
-          <a:p>
             <a:pPr marL="0" indent="0">
               <a:buNone/>
             </a:pPr>
-            <a:r>
-              <a:rPr lang="en-US" altLang="ja-JP" sz="1000" dirty="0" smtClean="0">
+            <a:endParaRPr lang="en-US" altLang="ja-JP" sz="1600" dirty="0"/>
+          </a:p>
+          <a:p>
+            <a:pPr marL="0" indent="0">
+              <a:buNone/>
+            </a:pPr>
+            <a:endParaRPr lang="en-US" altLang="ja-JP" sz="1600" dirty="0"/>
+          </a:p>
+          <a:p>
+            <a:pPr marL="0" indent="0">
+              <a:buNone/>
+            </a:pPr>
+            <a:r>
+              <a:rPr lang="en-US" altLang="ja-JP" sz="1200" dirty="0" smtClean="0">
                 <a:solidFill>
                   <a:srgbClr val="FF0000"/>
                 </a:solidFill>
@@ -23943,14 +23916,14 @@
               <a:t>※</a:t>
             </a:r>
             <a:r>
-              <a:rPr lang="ja-JP" altLang="en-US" sz="1000" dirty="0" smtClean="0">
+              <a:rPr lang="ja-JP" altLang="en-US" sz="1200" dirty="0" smtClean="0">
                 <a:solidFill>
                   <a:srgbClr val="FF0000"/>
                 </a:solidFill>
               </a:rPr>
               <a:t>セキュリティグループ、キーペアは事前に作成しておく必要があります。</a:t>
             </a:r>
-            <a:endParaRPr lang="en-US" altLang="ja-JP" sz="1000" dirty="0" smtClean="0">
+            <a:endParaRPr lang="en-US" altLang="ja-JP" sz="1200" dirty="0" smtClean="0">
               <a:solidFill>
                 <a:srgbClr val="FF0000"/>
               </a:solidFill>
@@ -24088,7 +24061,7 @@
                     <a:lstStyle/>
                     <a:p>
                       <a:r>
-                        <a:rPr kumimoji="1" lang="en-US" altLang="ja-JP" sz="1200" dirty="0" err="1" smtClean="0"/>
+                        <a:rPr kumimoji="1" lang="en-US" altLang="ja-JP" sz="1200" dirty="0" smtClean="0"/>
                         <a:t>Terraform_demo</a:t>
                       </a:r>
                       <a:endParaRPr kumimoji="1" lang="ja-JP" altLang="en-US" sz="1200" dirty="0"/>
@@ -24138,12 +24111,8 @@
                     <a:lstStyle/>
                     <a:p>
                       <a:r>
-                        <a:rPr kumimoji="1" lang="en-US" altLang="ja-JP" sz="1200" dirty="0" err="1" smtClean="0"/>
-                        <a:t>ita</a:t>
-                      </a:r>
-                      <a:r>
                         <a:rPr kumimoji="1" lang="en-US" altLang="ja-JP" sz="1200" dirty="0" smtClean="0"/>
-                        <a:t>-demo-sg</a:t>
+                        <a:t>ita-demo-sg</a:t>
                       </a:r>
                       <a:r>
                         <a:rPr kumimoji="1" lang="en-US" altLang="ja-JP" sz="1200" dirty="0" smtClean="0">
@@ -24192,7 +24161,7 @@
                         <a:defRPr/>
                       </a:pPr>
                       <a:r>
-                        <a:rPr kumimoji="1" lang="en-US" altLang="ja-JP" sz="1200" dirty="0" err="1" smtClean="0"/>
+                        <a:rPr kumimoji="1" lang="en-US" altLang="ja-JP" sz="1200" dirty="0" smtClean="0"/>
                         <a:t>Terraform_demo</a:t>
                       </a:r>
                       <a:endParaRPr kumimoji="1" lang="ja-JP" altLang="en-US" sz="1200" dirty="0" smtClean="0"/>
@@ -24259,12 +24228,8 @@
                     <a:lstStyle/>
                     <a:p>
                       <a:r>
-                        <a:rPr kumimoji="1" lang="en-US" altLang="ja-JP" sz="1200" dirty="0" err="1" smtClean="0"/>
-                        <a:t>ita</a:t>
-                      </a:r>
-                      <a:r>
                         <a:rPr kumimoji="1" lang="en-US" altLang="ja-JP" sz="1200" dirty="0" smtClean="0"/>
-                        <a:t>-demo-key</a:t>
+                        <a:t>ita-demo-key</a:t>
                       </a:r>
                       <a:r>
                         <a:rPr kumimoji="1" lang="en-US" altLang="ja-JP" sz="1200" dirty="0" smtClean="0">
@@ -24313,7 +24278,7 @@
                         <a:defRPr/>
                       </a:pPr>
                       <a:r>
-                        <a:rPr kumimoji="1" lang="en-US" altLang="ja-JP" sz="1200" dirty="0" err="1" smtClean="0"/>
+                        <a:rPr kumimoji="1" lang="en-US" altLang="ja-JP" sz="1200" dirty="0" smtClean="0"/>
                         <a:t>Terraform_demo</a:t>
                       </a:r>
                       <a:endParaRPr kumimoji="1" lang="ja-JP" altLang="en-US" sz="1200" dirty="0" smtClean="0"/>
@@ -24426,7 +24391,7 @@
                         <a:defRPr/>
                       </a:pPr>
                       <a:r>
-                        <a:rPr kumimoji="1" lang="en-US" altLang="ja-JP" sz="1200" dirty="0" err="1" smtClean="0"/>
+                        <a:rPr kumimoji="1" lang="en-US" altLang="ja-JP" sz="1200" dirty="0" smtClean="0"/>
                         <a:t>Terraform_demo</a:t>
                       </a:r>
                       <a:endParaRPr kumimoji="1" lang="ja-JP" altLang="en-US" sz="1200" dirty="0" smtClean="0"/>
@@ -24539,7 +24504,7 @@
                         <a:defRPr/>
                       </a:pPr>
                       <a:r>
-                        <a:rPr kumimoji="1" lang="en-US" altLang="ja-JP" sz="1200" dirty="0" err="1" smtClean="0"/>
+                        <a:rPr kumimoji="1" lang="en-US" altLang="ja-JP" sz="1200" dirty="0" smtClean="0"/>
                         <a:t>Terraform_demo</a:t>
                       </a:r>
                       <a:endParaRPr kumimoji="1" lang="ja-JP" altLang="en-US" sz="1200" dirty="0" smtClean="0"/>
@@ -24652,7 +24617,7 @@
                         <a:defRPr/>
                       </a:pPr>
                       <a:r>
-                        <a:rPr kumimoji="1" lang="en-US" altLang="ja-JP" sz="1200" dirty="0" err="1" smtClean="0"/>
+                        <a:rPr kumimoji="1" lang="en-US" altLang="ja-JP" sz="1200" dirty="0" smtClean="0"/>
                         <a:t>Terraform_demo</a:t>
                       </a:r>
                       <a:endParaRPr kumimoji="1" lang="ja-JP" altLang="en-US" sz="1200" dirty="0" smtClean="0"/>
@@ -24722,12 +24687,8 @@
                     <a:lstStyle/>
                     <a:p>
                       <a:r>
-                        <a:rPr kumimoji="1" lang="en-US" altLang="ja-JP" sz="1200" dirty="0" err="1" smtClean="0"/>
-                        <a:t>ita</a:t>
-                      </a:r>
-                      <a:r>
                         <a:rPr kumimoji="1" lang="en-US" altLang="ja-JP" sz="1200" dirty="0" smtClean="0"/>
-                        <a:t>-demo-instance</a:t>
+                        <a:t>ita-demo-instance</a:t>
                       </a:r>
                       <a:endParaRPr kumimoji="1" lang="ja-JP" altLang="en-US" sz="1200" dirty="0"/>
                     </a:p>
@@ -24764,7 +24725,7 @@
                         <a:defRPr/>
                       </a:pPr>
                       <a:r>
-                        <a:rPr kumimoji="1" lang="en-US" altLang="ja-JP" sz="1200" dirty="0" err="1" smtClean="0"/>
+                        <a:rPr kumimoji="1" lang="en-US" altLang="ja-JP" sz="1200" dirty="0" smtClean="0"/>
                         <a:t>Terraform_demo</a:t>
                       </a:r>
                       <a:endParaRPr kumimoji="1" lang="ja-JP" altLang="en-US" sz="1200" dirty="0" smtClean="0"/>
@@ -24877,7 +24838,7 @@
                         <a:defRPr/>
                       </a:pPr>
                       <a:r>
-                        <a:rPr kumimoji="1" lang="en-US" altLang="ja-JP" sz="1200" dirty="0" err="1" smtClean="0"/>
+                        <a:rPr kumimoji="1" lang="en-US" altLang="ja-JP" sz="1200" dirty="0" smtClean="0"/>
                         <a:t>Terraform_demo</a:t>
                       </a:r>
                       <a:endParaRPr kumimoji="1" lang="ja-JP" altLang="en-US" sz="1200" dirty="0" smtClean="0"/>
@@ -24990,7 +24951,7 @@
                         <a:defRPr/>
                       </a:pPr>
                       <a:r>
-                        <a:rPr kumimoji="1" lang="en-US" altLang="ja-JP" sz="1200" dirty="0" err="1" smtClean="0"/>
+                        <a:rPr kumimoji="1" lang="en-US" altLang="ja-JP" sz="1200" dirty="0" smtClean="0"/>
                         <a:t>Terraform_demo</a:t>
                       </a:r>
                       <a:endParaRPr kumimoji="1" lang="ja-JP" altLang="en-US" sz="1200" dirty="0" smtClean="0"/>
@@ -25292,14 +25253,14 @@
           <p:nvPr>
             <p:extLst>
               <p:ext uri="{D42A27DB-BD31-4B8C-83A1-F6EECF244321}">
-                <p14:modId xmlns:p14="http://schemas.microsoft.com/office/powerpoint/2010/main" val="4083763153"/>
+                <p14:modId xmlns:p14="http://schemas.microsoft.com/office/powerpoint/2010/main" val="3774939598"/>
               </p:ext>
             </p:extLst>
           </p:nvPr>
         </p:nvGraphicFramePr>
         <p:xfrm>
           <a:off x="286917" y="1484731"/>
-          <a:ext cx="8676595" cy="5001284"/>
+          <a:ext cx="8676595" cy="4725589"/>
         </p:xfrm>
         <a:graphic>
           <a:graphicData uri="http://schemas.openxmlformats.org/drawingml/2006/table">
@@ -25407,7 +25368,7 @@
                     <a:lstStyle/>
                     <a:p>
                       <a:r>
-                        <a:rPr kumimoji="1" lang="en-US" altLang="ja-JP" sz="1200" dirty="0" err="1" smtClean="0"/>
+                        <a:rPr kumimoji="1" lang="en-US" altLang="ja-JP" sz="1200" dirty="0" smtClean="0"/>
                         <a:t>Terraform_demo</a:t>
                       </a:r>
                       <a:endParaRPr kumimoji="1" lang="ja-JP" altLang="en-US" sz="1200" dirty="0"/>
@@ -25710,7 +25671,7 @@
                         <a:defRPr/>
                       </a:pPr>
                       <a:r>
-                        <a:rPr kumimoji="1" lang="en-US" altLang="ja-JP" sz="1200" dirty="0" err="1" smtClean="0"/>
+                        <a:rPr kumimoji="1" lang="en-US" altLang="ja-JP" sz="1200" dirty="0" smtClean="0"/>
                         <a:t>Terraform_demo</a:t>
                       </a:r>
                       <a:endParaRPr kumimoji="1" lang="ja-JP" altLang="en-US" sz="1200" dirty="0" smtClean="0"/>
@@ -25893,7 +25854,7 @@
                         <a:defRPr/>
                       </a:pPr>
                       <a:r>
-                        <a:rPr kumimoji="1" lang="en-US" altLang="ja-JP" sz="1200" dirty="0" err="1" smtClean="0"/>
+                        <a:rPr kumimoji="1" lang="en-US" altLang="ja-JP" sz="1200" dirty="0" smtClean="0"/>
                         <a:t>Terraform_demo</a:t>
                       </a:r>
                       <a:endParaRPr kumimoji="1" lang="ja-JP" altLang="en-US" sz="1200" dirty="0" smtClean="0"/>
@@ -26076,7 +26037,7 @@
                         <a:defRPr/>
                       </a:pPr>
                       <a:r>
-                        <a:rPr kumimoji="1" lang="en-US" altLang="ja-JP" sz="1200" dirty="0" err="1" smtClean="0"/>
+                        <a:rPr kumimoji="1" lang="en-US" altLang="ja-JP" sz="1200" dirty="0" smtClean="0"/>
                         <a:t>Terraform_demo</a:t>
                       </a:r>
                       <a:endParaRPr kumimoji="1" lang="ja-JP" altLang="en-US" sz="1200" dirty="0" smtClean="0"/>
@@ -26259,7 +26220,7 @@
                         <a:defRPr/>
                       </a:pPr>
                       <a:r>
-                        <a:rPr kumimoji="1" lang="en-US" altLang="ja-JP" sz="1200" dirty="0" err="1" smtClean="0"/>
+                        <a:rPr kumimoji="1" lang="en-US" altLang="ja-JP" sz="1200" dirty="0" smtClean="0"/>
                         <a:t>Terraform_demo</a:t>
                       </a:r>
                       <a:endParaRPr kumimoji="1" lang="ja-JP" altLang="en-US" sz="1200" dirty="0" smtClean="0"/>
@@ -26379,12 +26340,8 @@
                     <a:p>
                       <a:pPr algn="just"/>
                       <a:r>
-                        <a:rPr kumimoji="1" lang="en-US" altLang="ja-JP" sz="1200" dirty="0" err="1" smtClean="0"/>
-                        <a:t>ita</a:t>
-                      </a:r>
-                      <a:r>
                         <a:rPr kumimoji="1" lang="en-US" altLang="ja-JP" sz="1200" dirty="0" smtClean="0"/>
-                        <a:t>-demo-</a:t>
+                        <a:t>ita-demo-</a:t>
                       </a:r>
                       <a:r>
                         <a:rPr kumimoji="1" lang="en-US" altLang="ja-JP" sz="1200" dirty="0" err="1" smtClean="0"/>
@@ -26425,7 +26382,7 @@
                         <a:defRPr/>
                       </a:pPr>
                       <a:r>
-                        <a:rPr kumimoji="1" lang="en-US" altLang="ja-JP" sz="1200" dirty="0" err="1" smtClean="0"/>
+                        <a:rPr kumimoji="1" lang="en-US" altLang="ja-JP" sz="1200" dirty="0" smtClean="0"/>
                         <a:t>Terraform_demo</a:t>
                       </a:r>
                       <a:endParaRPr kumimoji="1" lang="ja-JP" altLang="en-US" sz="1200" dirty="0" smtClean="0"/>
@@ -26545,11 +26502,7 @@
                     <a:p>
                       <a:r>
                         <a:rPr kumimoji="1" lang="en-US" altLang="ja-JP" sz="1200" dirty="0" err="1" smtClean="0"/>
-                        <a:t>ita</a:t>
-                      </a:r>
-                      <a:r>
-                        <a:rPr kumimoji="1" lang="en-US" altLang="ja-JP" sz="1200" dirty="0" smtClean="0"/>
-                        <a:t>-demo-web-azure</a:t>
+                        <a:t>japaneast</a:t>
                       </a:r>
                       <a:endParaRPr kumimoji="1" lang="ja-JP" altLang="en-US" sz="1200" dirty="0"/>
                     </a:p>
@@ -26562,7 +26515,7 @@
                   </a:ext>
                 </a:extLst>
               </a:tr>
-              <a:tr h="315665">
+              <a:tr h="288040">
                 <a:tc>
                   <a:txBody>
                     <a:bodyPr/>
@@ -26586,7 +26539,7 @@
                         <a:defRPr/>
                       </a:pPr>
                       <a:r>
-                        <a:rPr kumimoji="1" lang="en-US" altLang="ja-JP" sz="1200" dirty="0" err="1" smtClean="0"/>
+                        <a:rPr kumimoji="1" lang="en-US" altLang="ja-JP" sz="1200" dirty="0" smtClean="0"/>
                         <a:t>Terraform_demo</a:t>
                       </a:r>
                       <a:endParaRPr kumimoji="1" lang="ja-JP" altLang="en-US" sz="1200" dirty="0" smtClean="0"/>
@@ -26705,12 +26658,8 @@
                     <a:lstStyle/>
                     <a:p>
                       <a:r>
-                        <a:rPr kumimoji="1" lang="en-US" altLang="ja-JP" sz="1200" dirty="0" err="1" smtClean="0"/>
-                        <a:t>ita</a:t>
-                      </a:r>
-                      <a:r>
                         <a:rPr kumimoji="1" lang="en-US" altLang="ja-JP" sz="1200" dirty="0" smtClean="0"/>
-                        <a:t>-demo-security-group</a:t>
+                        <a:t>ita-demo-security-group</a:t>
                       </a:r>
                       <a:endParaRPr kumimoji="1" lang="ja-JP" altLang="en-US" sz="1200" dirty="0"/>
                     </a:p>
@@ -26723,7 +26672,7 @@
                   </a:ext>
                 </a:extLst>
               </a:tr>
-              <a:tr h="315665">
+              <a:tr h="229750">
                 <a:tc>
                   <a:txBody>
                     <a:bodyPr/>
@@ -26747,7 +26696,7 @@
                         <a:defRPr/>
                       </a:pPr>
                       <a:r>
-                        <a:rPr kumimoji="1" lang="en-US" altLang="ja-JP" sz="1200" dirty="0" err="1" smtClean="0"/>
+                        <a:rPr kumimoji="1" lang="en-US" altLang="ja-JP" sz="1200" dirty="0" smtClean="0"/>
                         <a:t>Terraform_demo</a:t>
                       </a:r>
                       <a:endParaRPr kumimoji="1" lang="ja-JP" altLang="en-US" sz="1200" dirty="0" smtClean="0"/>
@@ -26874,12 +26823,8 @@
                     <a:lstStyle/>
                     <a:p>
                       <a:r>
-                        <a:rPr kumimoji="1" lang="en-US" altLang="ja-JP" sz="1200" dirty="0" err="1" smtClean="0"/>
-                        <a:t>ita</a:t>
-                      </a:r>
-                      <a:r>
                         <a:rPr kumimoji="1" lang="en-US" altLang="ja-JP" sz="1200" dirty="0" smtClean="0"/>
-                        <a:t>-demo-</a:t>
+                        <a:t>ita-demo-</a:t>
                       </a:r>
                       <a:r>
                         <a:rPr kumimoji="1" lang="en-US" altLang="ja-JP" sz="1200" dirty="0" err="1" smtClean="0"/>
@@ -26900,7 +26845,7 @@
                   </a:ext>
                 </a:extLst>
               </a:tr>
-              <a:tr h="315665">
+              <a:tr h="243470">
                 <a:tc>
                   <a:txBody>
                     <a:bodyPr/>
@@ -26924,7 +26869,7 @@
                         <a:defRPr/>
                       </a:pPr>
                       <a:r>
-                        <a:rPr kumimoji="1" lang="en-US" altLang="ja-JP" sz="1200" dirty="0" err="1" smtClean="0"/>
+                        <a:rPr kumimoji="1" lang="en-US" altLang="ja-JP" sz="1200" dirty="0" smtClean="0"/>
                         <a:t>Terraform_demo</a:t>
                       </a:r>
                       <a:endParaRPr kumimoji="1" lang="ja-JP" altLang="en-US" sz="1200" dirty="0" smtClean="0"/>
@@ -27062,7 +27007,7 @@
                   </a:ext>
                 </a:extLst>
               </a:tr>
-              <a:tr h="315665">
+              <a:tr h="226710">
                 <a:tc>
                   <a:txBody>
                     <a:bodyPr/>
@@ -27086,7 +27031,7 @@
                         <a:defRPr/>
                       </a:pPr>
                       <a:r>
-                        <a:rPr kumimoji="1" lang="en-US" altLang="ja-JP" sz="1200" b="0" i="0" u="none" strike="noStrike" kern="1200" cap="none" spc="0" normalizeH="0" baseline="0" noProof="0" smtClean="0">
+                        <a:rPr kumimoji="1" lang="en-US" altLang="ja-JP" sz="1200" b="0" i="0" u="none" strike="noStrike" kern="1200" cap="none" spc="0" normalizeH="0" baseline="0" noProof="0" dirty="0" smtClean="0">
                           <a:ln>
                             <a:noFill/>
                           </a:ln>
@@ -27236,12 +27181,8 @@
                     <a:lstStyle/>
                     <a:p>
                       <a:r>
-                        <a:rPr kumimoji="1" lang="en-US" altLang="ja-JP" sz="1200" dirty="0" err="1" smtClean="0"/>
-                        <a:t>ita</a:t>
-                      </a:r>
-                      <a:r>
                         <a:rPr kumimoji="1" lang="en-US" altLang="ja-JP" sz="1200" dirty="0" smtClean="0"/>
-                        <a:t>-demo-subnet</a:t>
+                        <a:t>ita-demo-subnet</a:t>
                       </a:r>
                       <a:endParaRPr kumimoji="1" lang="ja-JP" altLang="en-US" sz="1200" dirty="0"/>
                     </a:p>
@@ -27254,7 +27195,7 @@
                   </a:ext>
                 </a:extLst>
               </a:tr>
-              <a:tr h="315665">
+              <a:tr h="209950">
                 <a:tc>
                   <a:txBody>
                     <a:bodyPr/>
@@ -27278,7 +27219,7 @@
                         <a:defRPr/>
                       </a:pPr>
                       <a:r>
-                        <a:rPr kumimoji="1" lang="en-US" altLang="ja-JP" sz="1200" b="0" i="0" u="none" strike="noStrike" kern="1200" cap="none" spc="0" normalizeH="0" baseline="0" noProof="0" smtClean="0">
+                        <a:rPr kumimoji="1" lang="en-US" altLang="ja-JP" sz="1200" b="0" i="0" u="none" strike="noStrike" kern="1200" cap="none" spc="0" normalizeH="0" baseline="0" noProof="0" dirty="0" smtClean="0">
                           <a:ln>
                             <a:noFill/>
                           </a:ln>
@@ -27466,7 +27407,7 @@
                         <a:defRPr/>
                       </a:pPr>
                       <a:r>
-                        <a:rPr kumimoji="1" lang="en-US" altLang="ja-JP" sz="1200" b="0" i="0" u="none" strike="noStrike" kern="1200" cap="none" spc="0" normalizeH="0" baseline="0" noProof="0" smtClean="0">
+                        <a:rPr kumimoji="1" lang="en-US" altLang="ja-JP" sz="1200" b="0" i="0" u="none" strike="noStrike" kern="1200" cap="none" spc="0" normalizeH="0" baseline="0" noProof="0" dirty="0" smtClean="0">
                           <a:ln>
                             <a:noFill/>
                           </a:ln>
@@ -27616,12 +27557,8 @@
                     <a:lstStyle/>
                     <a:p>
                       <a:r>
-                        <a:rPr kumimoji="1" lang="en-US" altLang="ja-JP" sz="1200" dirty="0" err="1" smtClean="0"/>
-                        <a:t>ita</a:t>
-                      </a:r>
-                      <a:r>
                         <a:rPr kumimoji="1" lang="en-US" altLang="ja-JP" sz="1200" dirty="0" smtClean="0"/>
-                        <a:t>-demo-public-</a:t>
+                        <a:t>ita-demo-public-</a:t>
                       </a:r>
                       <a:r>
                         <a:rPr kumimoji="1" lang="en-US" altLang="ja-JP" sz="1200" dirty="0" err="1" smtClean="0"/>
@@ -27662,7 +27599,7 @@
                         <a:defRPr/>
                       </a:pPr>
                       <a:r>
-                        <a:rPr kumimoji="1" lang="en-US" altLang="ja-JP" sz="1200" b="0" i="0" u="none" strike="noStrike" kern="1200" cap="none" spc="0" normalizeH="0" baseline="0" noProof="0" smtClean="0">
+                        <a:rPr kumimoji="1" lang="en-US" altLang="ja-JP" sz="1200" b="0" i="0" u="none" strike="noStrike" kern="1200" cap="none" spc="0" normalizeH="0" baseline="0" noProof="0" dirty="0" smtClean="0">
                           <a:ln>
                             <a:noFill/>
                           </a:ln>
@@ -27850,7 +27787,7 @@
                         <a:defRPr/>
                       </a:pPr>
                       <a:r>
-                        <a:rPr kumimoji="1" lang="en-US" altLang="ja-JP" sz="1200" b="0" i="0" u="none" strike="noStrike" kern="1200" cap="none" spc="0" normalizeH="0" baseline="0" noProof="0" smtClean="0">
+                        <a:rPr kumimoji="1" lang="en-US" altLang="ja-JP" sz="1200" b="0" i="0" u="none" strike="noStrike" kern="1200" cap="none" spc="0" normalizeH="0" baseline="0" noProof="0" dirty="0" smtClean="0">
                           <a:ln>
                             <a:noFill/>
                           </a:ln>
@@ -28000,12 +27937,16 @@
                     <a:lstStyle/>
                     <a:p>
                       <a:r>
-                        <a:rPr kumimoji="1" lang="en-US" altLang="ja-JP" sz="1200" dirty="0" err="1" smtClean="0"/>
-                        <a:t>ita</a:t>
+                        <a:rPr kumimoji="1" lang="en-US" altLang="ja-JP" sz="1200" dirty="0" smtClean="0"/>
+                        <a:t>(</a:t>
+                      </a:r>
+                      <a:r>
+                        <a:rPr kumimoji="1" lang="ja-JP" altLang="en-US" sz="1200" dirty="0" smtClean="0"/>
+                        <a:t>任意のグローバルなドメイン名</a:t>
                       </a:r>
                       <a:r>
                         <a:rPr kumimoji="1" lang="en-US" altLang="ja-JP" sz="1200" dirty="0" smtClean="0"/>
-                        <a:t>-demo-domain</a:t>
+                        <a:t>)</a:t>
                       </a:r>
                       <a:endParaRPr kumimoji="1" lang="ja-JP" altLang="en-US" sz="1200" dirty="0"/>
                     </a:p>
@@ -28015,6 +27956,467 @@
                 <a:extLst>
                   <a:ext uri="{0D108BD9-81ED-4DB2-BD59-A6C34878D82A}">
                     <a16:rowId xmlns:a16="http://schemas.microsoft.com/office/drawing/2014/main" val="2396307023"/>
+                  </a:ext>
+                </a:extLst>
+              </a:tr>
+            </a:tbl>
+          </a:graphicData>
+        </a:graphic>
+      </p:graphicFrame>
+    </p:spTree>
+    <p:extLst>
+      <p:ext uri="{BB962C8B-B14F-4D97-AF65-F5344CB8AC3E}">
+        <p14:creationId xmlns:p14="http://schemas.microsoft.com/office/powerpoint/2010/main" val="2743589332"/>
+      </p:ext>
+    </p:extLst>
+  </p:cSld>
+  <p:clrMapOvr>
+    <a:masterClrMapping/>
+  </p:clrMapOvr>
+  <p:timing>
+    <p:tnLst>
+      <p:par>
+        <p:cTn id="1" dur="indefinite" restart="never" nodeType="tmRoot"/>
+      </p:par>
+    </p:tnLst>
+  </p:timing>
+</p:sld>
+</file>
+
+<file path=ppt/slides/slide34.xml><?xml version="1.0" encoding="utf-8"?>
+<p:sld xmlns:a="http://schemas.openxmlformats.org/drawingml/2006/main" xmlns:r="http://schemas.openxmlformats.org/officeDocument/2006/relationships" xmlns:p="http://schemas.openxmlformats.org/presentationml/2006/main">
+  <p:cSld>
+    <p:spTree>
+      <p:nvGrpSpPr>
+        <p:cNvPr id="1" name=""/>
+        <p:cNvGrpSpPr/>
+        <p:nvPr/>
+      </p:nvGrpSpPr>
+      <p:grpSpPr>
+        <a:xfrm>
+          <a:off x="0" y="0"/>
+          <a:ext cx="0" cy="0"/>
+          <a:chOff x="0" y="0"/>
+          <a:chExt cx="0" cy="0"/>
+        </a:xfrm>
+      </p:grpSpPr>
+      <p:sp>
+        <p:nvSpPr>
+          <p:cNvPr id="2" name="タイトル 1"/>
+          <p:cNvSpPr>
+            <a:spLocks noGrp="1"/>
+          </p:cNvSpPr>
+          <p:nvPr>
+            <p:ph type="title"/>
+          </p:nvPr>
+        </p:nvSpPr>
+        <p:spPr/>
+        <p:txBody>
+          <a:bodyPr>
+            <a:normAutofit/>
+          </a:bodyPr>
+          <a:lstStyle/>
+          <a:p>
+            <a:r>
+              <a:rPr lang="en-US" altLang="ja-JP" dirty="0" smtClean="0"/>
+              <a:t>4.2</a:t>
+            </a:r>
+            <a:r>
+              <a:rPr lang="ja-JP" altLang="en-US" dirty="0"/>
+              <a:t>　変数値の</a:t>
+            </a:r>
+            <a:r>
+              <a:rPr lang="ja-JP" altLang="en-US" dirty="0" smtClean="0"/>
+              <a:t>設定</a:t>
+            </a:r>
+            <a:r>
+              <a:rPr lang="en-US" altLang="ja-JP" dirty="0" smtClean="0"/>
+              <a:t>(4/4)</a:t>
+            </a:r>
+            <a:endParaRPr kumimoji="1" lang="ja-JP" altLang="en-US" dirty="0"/>
+          </a:p>
+        </p:txBody>
+      </p:sp>
+      <p:sp>
+        <p:nvSpPr>
+          <p:cNvPr id="3" name="コンテンツ プレースホルダー 2"/>
+          <p:cNvSpPr>
+            <a:spLocks noGrp="1"/>
+          </p:cNvSpPr>
+          <p:nvPr>
+            <p:ph sz="quarter" idx="10"/>
+          </p:nvPr>
+        </p:nvSpPr>
+        <p:spPr>
+          <a:xfrm>
+            <a:off x="179512" y="836712"/>
+            <a:ext cx="8784976" cy="5688718"/>
+          </a:xfrm>
+        </p:spPr>
+        <p:txBody>
+          <a:bodyPr>
+            <a:normAutofit/>
+          </a:bodyPr>
+          <a:lstStyle/>
+          <a:p>
+            <a:r>
+              <a:rPr kumimoji="1" lang="ja-JP" altLang="en-US" dirty="0" smtClean="0"/>
+              <a:t>変数に数値を</a:t>
+            </a:r>
+            <a:r>
+              <a:rPr lang="ja-JP" altLang="en-US" dirty="0"/>
+              <a:t>設定</a:t>
+            </a:r>
+            <a:r>
+              <a:rPr kumimoji="1" lang="ja-JP" altLang="en-US" dirty="0" smtClean="0"/>
+              <a:t>する</a:t>
+            </a:r>
+            <a:r>
+              <a:rPr kumimoji="1" lang="en-US" altLang="ja-JP" dirty="0" smtClean="0"/>
+              <a:t>(3/3)</a:t>
+            </a:r>
+            <a:br>
+              <a:rPr kumimoji="1" lang="en-US" altLang="ja-JP" dirty="0" smtClean="0"/>
+            </a:br>
+            <a:r>
+              <a:rPr lang="ja-JP" altLang="en-US" sz="1600" dirty="0" smtClean="0"/>
+              <a:t>代入値の登録は以下の表を参考に行ってください。</a:t>
+            </a:r>
+            <a:endParaRPr lang="en-US" altLang="ja-JP" sz="1600" dirty="0" smtClean="0"/>
+          </a:p>
+          <a:p>
+            <a:pPr marL="0" indent="0">
+              <a:buNone/>
+            </a:pPr>
+            <a:endParaRPr lang="en-US" altLang="ja-JP" sz="1600" dirty="0"/>
+          </a:p>
+          <a:p>
+            <a:endParaRPr lang="en-US" altLang="ja-JP" sz="1600" dirty="0" smtClean="0"/>
+          </a:p>
+          <a:p>
+            <a:endParaRPr lang="en-US" altLang="ja-JP" sz="1600" dirty="0"/>
+          </a:p>
+          <a:p>
+            <a:endParaRPr lang="en-US" altLang="ja-JP" sz="1600" dirty="0" smtClean="0"/>
+          </a:p>
+          <a:p>
+            <a:endParaRPr lang="en-US" altLang="ja-JP" sz="1600" dirty="0"/>
+          </a:p>
+          <a:p>
+            <a:endParaRPr lang="en-US" altLang="ja-JP" sz="1600" dirty="0" smtClean="0"/>
+          </a:p>
+          <a:p>
+            <a:endParaRPr lang="en-US" altLang="ja-JP" sz="1600" dirty="0"/>
+          </a:p>
+          <a:p>
+            <a:endParaRPr lang="en-US" altLang="ja-JP" sz="1600" dirty="0" smtClean="0"/>
+          </a:p>
+          <a:p>
+            <a:endParaRPr lang="en-US" altLang="ja-JP" sz="1600" dirty="0"/>
+          </a:p>
+          <a:p>
+            <a:endParaRPr lang="en-US" altLang="ja-JP" sz="1600" dirty="0" smtClean="0"/>
+          </a:p>
+          <a:p>
+            <a:endParaRPr lang="en-US" altLang="ja-JP" sz="1600" dirty="0"/>
+          </a:p>
+          <a:p>
+            <a:endParaRPr lang="en-US" altLang="ja-JP" sz="1600" dirty="0" smtClean="0"/>
+          </a:p>
+          <a:p>
+            <a:endParaRPr lang="en-US" altLang="ja-JP" sz="1600" dirty="0"/>
+          </a:p>
+          <a:p>
+            <a:endParaRPr lang="en-US" altLang="ja-JP" sz="1600" dirty="0" smtClean="0"/>
+          </a:p>
+          <a:p>
+            <a:endParaRPr lang="en-US" altLang="ja-JP" sz="1600" dirty="0"/>
+          </a:p>
+          <a:p>
+            <a:pPr marL="0" indent="0">
+              <a:buNone/>
+            </a:pPr>
+            <a:endParaRPr lang="en-US" altLang="ja-JP" sz="1000" dirty="0" smtClean="0">
+              <a:solidFill>
+                <a:srgbClr val="FF0000"/>
+              </a:solidFill>
+            </a:endParaRPr>
+          </a:p>
+          <a:p>
+            <a:pPr marL="0" indent="0">
+              <a:buNone/>
+            </a:pPr>
+            <a:r>
+              <a:rPr lang="en-US" altLang="ja-JP" sz="1000" dirty="0" smtClean="0">
+                <a:solidFill>
+                  <a:srgbClr val="FF0000"/>
+                </a:solidFill>
+              </a:rPr>
+              <a:t>※</a:t>
+            </a:r>
+            <a:r>
+              <a:rPr lang="ja-JP" altLang="en-US" sz="1000" dirty="0" smtClean="0">
+                <a:solidFill>
+                  <a:srgbClr val="FF0000"/>
+                </a:solidFill>
+              </a:rPr>
+              <a:t>事前に用意した</a:t>
+            </a:r>
+            <a:r>
+              <a:rPr lang="en-US" altLang="ja-JP" sz="1000" dirty="0">
+                <a:solidFill>
+                  <a:srgbClr val="FF0000"/>
+                </a:solidFill>
+              </a:rPr>
+              <a:t>SSH</a:t>
+            </a:r>
+            <a:r>
+              <a:rPr lang="ja-JP" altLang="en-US" sz="1000" dirty="0">
+                <a:solidFill>
+                  <a:srgbClr val="FF0000"/>
+                </a:solidFill>
+              </a:rPr>
+              <a:t>公開</a:t>
+            </a:r>
+            <a:r>
+              <a:rPr lang="ja-JP" altLang="en-US" sz="1000" dirty="0" smtClean="0">
+                <a:solidFill>
+                  <a:srgbClr val="FF0000"/>
+                </a:solidFill>
+              </a:rPr>
+              <a:t>鍵を利用してください。入力する具体値は</a:t>
+            </a:r>
+            <a:r>
+              <a:rPr lang="en-US" altLang="ja-JP" sz="1000" dirty="0" smtClean="0">
+                <a:solidFill>
+                  <a:srgbClr val="FF0000"/>
+                </a:solidFill>
+              </a:rPr>
+              <a:t>SSH</a:t>
+            </a:r>
+            <a:r>
+              <a:rPr lang="ja-JP" altLang="en-US" sz="1000" dirty="0" smtClean="0">
+                <a:solidFill>
+                  <a:srgbClr val="FF0000"/>
+                </a:solidFill>
+              </a:rPr>
+              <a:t>公開鍵のテキスト「</a:t>
+            </a:r>
+            <a:r>
+              <a:rPr lang="en-US" altLang="ja-JP" sz="1000" dirty="0" err="1" smtClean="0">
+                <a:solidFill>
+                  <a:srgbClr val="FF0000"/>
+                </a:solidFill>
+              </a:rPr>
+              <a:t>ssh-rsa</a:t>
+            </a:r>
+            <a:r>
+              <a:rPr lang="en-US" altLang="ja-JP" sz="1000" dirty="0" smtClean="0">
+                <a:solidFill>
+                  <a:srgbClr val="FF0000"/>
+                </a:solidFill>
+              </a:rPr>
+              <a:t> </a:t>
+            </a:r>
+            <a:r>
+              <a:rPr lang="en-US" altLang="ja-JP" sz="1000" dirty="0" err="1" smtClean="0">
+                <a:solidFill>
+                  <a:srgbClr val="FF0000"/>
+                </a:solidFill>
+              </a:rPr>
+              <a:t>xxxxxxxx</a:t>
+            </a:r>
+            <a:r>
+              <a:rPr lang="ja-JP" altLang="en-US" sz="1000" dirty="0" smtClean="0">
+                <a:solidFill>
+                  <a:srgbClr val="FF0000"/>
+                </a:solidFill>
+              </a:rPr>
+              <a:t>～」となります。</a:t>
+            </a:r>
+            <a:endParaRPr lang="en-US" altLang="ja-JP" sz="1000" dirty="0" smtClean="0">
+              <a:solidFill>
+                <a:srgbClr val="FF0000"/>
+              </a:solidFill>
+            </a:endParaRPr>
+          </a:p>
+          <a:p>
+            <a:endParaRPr lang="en-US" altLang="ja-JP" sz="1600" dirty="0"/>
+          </a:p>
+          <a:p>
+            <a:endParaRPr lang="en-US" altLang="ja-JP" sz="1600" dirty="0" smtClean="0"/>
+          </a:p>
+          <a:p>
+            <a:endParaRPr lang="en-US" altLang="ja-JP" sz="1600" dirty="0"/>
+          </a:p>
+          <a:p>
+            <a:endParaRPr lang="en-US" altLang="ja-JP" sz="1600" dirty="0" smtClean="0"/>
+          </a:p>
+          <a:p>
+            <a:endParaRPr lang="en-US" altLang="ja-JP" sz="1600" dirty="0"/>
+          </a:p>
+          <a:p>
+            <a:endParaRPr lang="en-US" altLang="ja-JP" sz="1600" dirty="0" smtClean="0"/>
+          </a:p>
+          <a:p>
+            <a:endParaRPr lang="en-US" altLang="ja-JP" sz="1600" dirty="0"/>
+          </a:p>
+          <a:p>
+            <a:endParaRPr lang="en-US" altLang="ja-JP" sz="1600" dirty="0" smtClean="0"/>
+          </a:p>
+          <a:p>
+            <a:endParaRPr lang="en-US" altLang="ja-JP" sz="1600" dirty="0"/>
+          </a:p>
+          <a:p>
+            <a:endParaRPr lang="en-US" altLang="ja-JP" sz="1600" dirty="0" smtClean="0"/>
+          </a:p>
+          <a:p>
+            <a:endParaRPr lang="en-US" altLang="ja-JP" sz="1600" dirty="0"/>
+          </a:p>
+          <a:p>
+            <a:endParaRPr lang="en-US" altLang="ja-JP" sz="1600" dirty="0" smtClean="0"/>
+          </a:p>
+          <a:p>
+            <a:endParaRPr lang="en-US" altLang="ja-JP" sz="1600" dirty="0"/>
+          </a:p>
+          <a:p>
+            <a:endParaRPr lang="en-US" altLang="ja-JP" sz="1600" dirty="0" smtClean="0"/>
+          </a:p>
+          <a:p>
+            <a:endParaRPr lang="en-US" altLang="ja-JP" sz="1600" dirty="0"/>
+          </a:p>
+          <a:p>
+            <a:pPr marL="0" indent="0">
+              <a:buNone/>
+            </a:pPr>
+            <a:endParaRPr lang="en-US" altLang="ja-JP" sz="1000" dirty="0" smtClean="0">
+              <a:solidFill>
+                <a:srgbClr val="FF0000"/>
+              </a:solidFill>
+            </a:endParaRPr>
+          </a:p>
+          <a:p>
+            <a:pPr marL="0" indent="0">
+              <a:buNone/>
+            </a:pPr>
+            <a:endParaRPr lang="en-US" altLang="ja-JP" sz="1600" dirty="0" smtClean="0"/>
+          </a:p>
+        </p:txBody>
+      </p:sp>
+      <p:graphicFrame>
+        <p:nvGraphicFramePr>
+          <p:cNvPr id="4" name="表 3"/>
+          <p:cNvGraphicFramePr>
+            <a:graphicFrameLocks noGrp="1"/>
+          </p:cNvGraphicFramePr>
+          <p:nvPr>
+            <p:extLst>
+              <p:ext uri="{D42A27DB-BD31-4B8C-83A1-F6EECF244321}">
+                <p14:modId xmlns:p14="http://schemas.microsoft.com/office/powerpoint/2010/main" val="2626486332"/>
+              </p:ext>
+            </p:extLst>
+          </p:nvPr>
+        </p:nvGraphicFramePr>
+        <p:xfrm>
+          <a:off x="286917" y="1484731"/>
+          <a:ext cx="8676595" cy="4564438"/>
+        </p:xfrm>
+        <a:graphic>
+          <a:graphicData uri="http://schemas.openxmlformats.org/drawingml/2006/table">
+            <a:tbl>
+              <a:tblPr firstRow="1" bandRow="1">
+                <a:tableStyleId>{93296810-A885-4BE3-A3E7-6D5BEEA58F35}</a:tableStyleId>
+              </a:tblPr>
+              <a:tblGrid>
+                <a:gridCol w="1895727">
+                  <a:extLst>
+                    <a:ext uri="{9D8B030D-6E8A-4147-A177-3AD203B41FA5}">
+                      <a16:colId xmlns:a16="http://schemas.microsoft.com/office/drawing/2014/main" val="3159846842"/>
+                    </a:ext>
+                  </a:extLst>
+                </a:gridCol>
+                <a:gridCol w="2442572">
+                  <a:extLst>
+                    <a:ext uri="{9D8B030D-6E8A-4147-A177-3AD203B41FA5}">
+                      <a16:colId xmlns:a16="http://schemas.microsoft.com/office/drawing/2014/main" val="3851399104"/>
+                    </a:ext>
+                  </a:extLst>
+                </a:gridCol>
+                <a:gridCol w="2169148">
+                  <a:extLst>
+                    <a:ext uri="{9D8B030D-6E8A-4147-A177-3AD203B41FA5}">
+                      <a16:colId xmlns:a16="http://schemas.microsoft.com/office/drawing/2014/main" val="1951162364"/>
+                    </a:ext>
+                  </a:extLst>
+                </a:gridCol>
+                <a:gridCol w="2169148">
+                  <a:extLst>
+                    <a:ext uri="{9D8B030D-6E8A-4147-A177-3AD203B41FA5}">
+                      <a16:colId xmlns:a16="http://schemas.microsoft.com/office/drawing/2014/main" val="1770958169"/>
+                    </a:ext>
+                  </a:extLst>
+                </a:gridCol>
+              </a:tblGrid>
+              <a:tr h="286053">
+                <a:tc>
+                  <a:txBody>
+                    <a:bodyPr/>
+                    <a:lstStyle/>
+                    <a:p>
+                      <a:r>
+                        <a:rPr kumimoji="1" lang="ja-JP" altLang="en-US" sz="1400" dirty="0" smtClean="0"/>
+                        <a:t>オペレーション</a:t>
+                      </a:r>
+                      <a:endParaRPr kumimoji="1" lang="ja-JP" altLang="en-US" sz="1400" dirty="0"/>
+                    </a:p>
+                  </a:txBody>
+                  <a:tcPr/>
+                </a:tc>
+                <a:tc>
+                  <a:txBody>
+                    <a:bodyPr/>
+                    <a:lstStyle/>
+                    <a:p>
+                      <a:r>
+                        <a:rPr kumimoji="1" lang="en-US" altLang="ja-JP" sz="1400" dirty="0" smtClean="0"/>
+                        <a:t>Movement</a:t>
+                      </a:r>
+                      <a:endParaRPr kumimoji="1" lang="ja-JP" altLang="en-US" sz="1400" dirty="0"/>
+                    </a:p>
+                  </a:txBody>
+                  <a:tcPr/>
+                </a:tc>
+                <a:tc>
+                  <a:txBody>
+                    <a:bodyPr/>
+                    <a:lstStyle/>
+                    <a:p>
+                      <a:r>
+                        <a:rPr kumimoji="1" lang="ja-JP" altLang="en-US" sz="1400" dirty="0" smtClean="0"/>
+                        <a:t>変数名</a:t>
+                      </a:r>
+                      <a:endParaRPr kumimoji="1" lang="ja-JP" altLang="en-US" sz="1400" dirty="0"/>
+                    </a:p>
+                  </a:txBody>
+                  <a:tcPr/>
+                </a:tc>
+                <a:tc>
+                  <a:txBody>
+                    <a:bodyPr/>
+                    <a:lstStyle/>
+                    <a:p>
+                      <a:r>
+                        <a:rPr kumimoji="1" lang="ja-JP" altLang="en-US" sz="1400" dirty="0" smtClean="0"/>
+                        <a:t>具体値</a:t>
+                      </a:r>
+                      <a:endParaRPr kumimoji="1" lang="ja-JP" altLang="en-US" sz="1400" dirty="0"/>
+                    </a:p>
+                  </a:txBody>
+                  <a:tcPr/>
+                </a:tc>
+                <a:extLst>
+                  <a:ext uri="{0D108BD9-81ED-4DB2-BD59-A6C34878D82A}">
+                    <a16:rowId xmlns:a16="http://schemas.microsoft.com/office/drawing/2014/main" val="1531434621"/>
                   </a:ext>
                 </a:extLst>
               </a:tr>
@@ -28042,7 +28444,7 @@
                         <a:defRPr/>
                       </a:pPr>
                       <a:r>
-                        <a:rPr kumimoji="1" lang="en-US" altLang="ja-JP" sz="1200" b="0" i="0" u="none" strike="noStrike" kern="1200" cap="none" spc="0" normalizeH="0" baseline="0" noProof="0" dirty="0" err="1" smtClean="0">
+                        <a:rPr kumimoji="1" lang="en-US" altLang="ja-JP" sz="1200" b="0" i="0" u="none" strike="noStrike" kern="1200" cap="none" spc="0" normalizeH="0" baseline="0" noProof="0" dirty="0" smtClean="0">
                           <a:ln>
                             <a:noFill/>
                           </a:ln>
@@ -28192,12 +28594,8 @@
                     <a:lstStyle/>
                     <a:p>
                       <a:r>
-                        <a:rPr kumimoji="1" lang="en-US" altLang="ja-JP" sz="1200" dirty="0" err="1" smtClean="0"/>
-                        <a:t>ita</a:t>
-                      </a:r>
-                      <a:r>
                         <a:rPr kumimoji="1" lang="en-US" altLang="ja-JP" sz="1200" dirty="0" smtClean="0"/>
-                        <a:t>-demo-</a:t>
+                        <a:t>ita-demo-</a:t>
                       </a:r>
                       <a:r>
                         <a:rPr kumimoji="1" lang="en-US" altLang="ja-JP" sz="1200" dirty="0" err="1" smtClean="0"/>
@@ -28210,307 +28608,7 @@
                 </a:tc>
                 <a:extLst>
                   <a:ext uri="{0D108BD9-81ED-4DB2-BD59-A6C34878D82A}">
-                    <a16:rowId xmlns:a16="http://schemas.microsoft.com/office/drawing/2014/main" val="2489685322"/>
-                  </a:ext>
-                </a:extLst>
-              </a:tr>
-            </a:tbl>
-          </a:graphicData>
-        </a:graphic>
-      </p:graphicFrame>
-    </p:spTree>
-    <p:extLst>
-      <p:ext uri="{BB962C8B-B14F-4D97-AF65-F5344CB8AC3E}">
-        <p14:creationId xmlns:p14="http://schemas.microsoft.com/office/powerpoint/2010/main" val="2743589332"/>
-      </p:ext>
-    </p:extLst>
-  </p:cSld>
-  <p:clrMapOvr>
-    <a:masterClrMapping/>
-  </p:clrMapOvr>
-  <p:timing>
-    <p:tnLst>
-      <p:par>
-        <p:cTn id="1" dur="indefinite" restart="never" nodeType="tmRoot"/>
-      </p:par>
-    </p:tnLst>
-  </p:timing>
-</p:sld>
-</file>
-
-<file path=ppt/slides/slide34.xml><?xml version="1.0" encoding="utf-8"?>
-<p:sld xmlns:a="http://schemas.openxmlformats.org/drawingml/2006/main" xmlns:r="http://schemas.openxmlformats.org/officeDocument/2006/relationships" xmlns:p="http://schemas.openxmlformats.org/presentationml/2006/main">
-  <p:cSld>
-    <p:spTree>
-      <p:nvGrpSpPr>
-        <p:cNvPr id="1" name=""/>
-        <p:cNvGrpSpPr/>
-        <p:nvPr/>
-      </p:nvGrpSpPr>
-      <p:grpSpPr>
-        <a:xfrm>
-          <a:off x="0" y="0"/>
-          <a:ext cx="0" cy="0"/>
-          <a:chOff x="0" y="0"/>
-          <a:chExt cx="0" cy="0"/>
-        </a:xfrm>
-      </p:grpSpPr>
-      <p:sp>
-        <p:nvSpPr>
-          <p:cNvPr id="2" name="タイトル 1"/>
-          <p:cNvSpPr>
-            <a:spLocks noGrp="1"/>
-          </p:cNvSpPr>
-          <p:nvPr>
-            <p:ph type="title"/>
-          </p:nvPr>
-        </p:nvSpPr>
-        <p:spPr/>
-        <p:txBody>
-          <a:bodyPr>
-            <a:normAutofit/>
-          </a:bodyPr>
-          <a:lstStyle/>
-          <a:p>
-            <a:r>
-              <a:rPr lang="en-US" altLang="ja-JP" dirty="0" smtClean="0"/>
-              <a:t>4.2</a:t>
-            </a:r>
-            <a:r>
-              <a:rPr lang="ja-JP" altLang="en-US" dirty="0"/>
-              <a:t>　変数値の</a:t>
-            </a:r>
-            <a:r>
-              <a:rPr lang="ja-JP" altLang="en-US" dirty="0" smtClean="0"/>
-              <a:t>設定</a:t>
-            </a:r>
-            <a:r>
-              <a:rPr lang="en-US" altLang="ja-JP" dirty="0" smtClean="0"/>
-              <a:t>(4/4)</a:t>
-            </a:r>
-            <a:endParaRPr kumimoji="1" lang="ja-JP" altLang="en-US" dirty="0"/>
-          </a:p>
-        </p:txBody>
-      </p:sp>
-      <p:sp>
-        <p:nvSpPr>
-          <p:cNvPr id="3" name="コンテンツ プレースホルダー 2"/>
-          <p:cNvSpPr>
-            <a:spLocks noGrp="1"/>
-          </p:cNvSpPr>
-          <p:nvPr>
-            <p:ph sz="quarter" idx="10"/>
-          </p:nvPr>
-        </p:nvSpPr>
-        <p:spPr/>
-        <p:txBody>
-          <a:bodyPr>
-            <a:normAutofit/>
-          </a:bodyPr>
-          <a:lstStyle/>
-          <a:p>
-            <a:r>
-              <a:rPr kumimoji="1" lang="ja-JP" altLang="en-US" dirty="0" smtClean="0"/>
-              <a:t>変数に数値を</a:t>
-            </a:r>
-            <a:r>
-              <a:rPr lang="ja-JP" altLang="en-US" dirty="0"/>
-              <a:t>設定</a:t>
-            </a:r>
-            <a:r>
-              <a:rPr kumimoji="1" lang="ja-JP" altLang="en-US" dirty="0" smtClean="0"/>
-              <a:t>する</a:t>
-            </a:r>
-            <a:r>
-              <a:rPr kumimoji="1" lang="en-US" altLang="ja-JP" dirty="0" smtClean="0"/>
-              <a:t>(3/3)</a:t>
-            </a:r>
-            <a:br>
-              <a:rPr kumimoji="1" lang="en-US" altLang="ja-JP" dirty="0" smtClean="0"/>
-            </a:br>
-            <a:r>
-              <a:rPr lang="ja-JP" altLang="en-US" sz="1600" dirty="0" smtClean="0"/>
-              <a:t>代入値の登録は以下の表を参考に行ってください。</a:t>
-            </a:r>
-            <a:endParaRPr lang="en-US" altLang="ja-JP" sz="1600" dirty="0" smtClean="0"/>
-          </a:p>
-          <a:p>
-            <a:endParaRPr lang="en-US" altLang="ja-JP" sz="1600" dirty="0"/>
-          </a:p>
-          <a:p>
-            <a:endParaRPr lang="en-US" altLang="ja-JP" sz="1600" dirty="0" smtClean="0"/>
-          </a:p>
-          <a:p>
-            <a:endParaRPr lang="en-US" altLang="ja-JP" sz="1600" dirty="0"/>
-          </a:p>
-          <a:p>
-            <a:endParaRPr lang="en-US" altLang="ja-JP" sz="1600" dirty="0" smtClean="0"/>
-          </a:p>
-          <a:p>
-            <a:endParaRPr lang="en-US" altLang="ja-JP" sz="1600" dirty="0"/>
-          </a:p>
-          <a:p>
-            <a:endParaRPr lang="en-US" altLang="ja-JP" sz="1600" dirty="0" smtClean="0"/>
-          </a:p>
-          <a:p>
-            <a:endParaRPr lang="en-US" altLang="ja-JP" sz="1600" dirty="0"/>
-          </a:p>
-          <a:p>
-            <a:endParaRPr lang="en-US" altLang="ja-JP" sz="1600" dirty="0" smtClean="0"/>
-          </a:p>
-          <a:p>
-            <a:endParaRPr lang="en-US" altLang="ja-JP" sz="1600" dirty="0"/>
-          </a:p>
-          <a:p>
-            <a:endParaRPr lang="en-US" altLang="ja-JP" sz="1600" dirty="0" smtClean="0"/>
-          </a:p>
-          <a:p>
-            <a:endParaRPr lang="en-US" altLang="ja-JP" sz="1600" dirty="0"/>
-          </a:p>
-          <a:p>
-            <a:endParaRPr lang="en-US" altLang="ja-JP" sz="1600" dirty="0" smtClean="0"/>
-          </a:p>
-          <a:p>
-            <a:endParaRPr lang="en-US" altLang="ja-JP" sz="1600" dirty="0"/>
-          </a:p>
-          <a:p>
-            <a:endParaRPr lang="en-US" altLang="ja-JP" sz="1600" dirty="0" smtClean="0"/>
-          </a:p>
-          <a:p>
-            <a:endParaRPr lang="en-US" altLang="ja-JP" sz="1600" dirty="0"/>
-          </a:p>
-          <a:p>
-            <a:pPr marL="0" indent="0">
-              <a:buNone/>
-            </a:pPr>
-            <a:endParaRPr lang="en-US" altLang="ja-JP" sz="1000" dirty="0" smtClean="0">
-              <a:solidFill>
-                <a:srgbClr val="FF0000"/>
-              </a:solidFill>
-            </a:endParaRPr>
-          </a:p>
-          <a:p>
-            <a:pPr marL="0" indent="0">
-              <a:buNone/>
-            </a:pPr>
-            <a:endParaRPr lang="en-US" altLang="ja-JP" sz="1600" dirty="0" smtClean="0"/>
-          </a:p>
-        </p:txBody>
-      </p:sp>
-      <p:graphicFrame>
-        <p:nvGraphicFramePr>
-          <p:cNvPr id="4" name="表 3"/>
-          <p:cNvGraphicFramePr>
-            <a:graphicFrameLocks noGrp="1"/>
-          </p:cNvGraphicFramePr>
-          <p:nvPr>
-            <p:extLst>
-              <p:ext uri="{D42A27DB-BD31-4B8C-83A1-F6EECF244321}">
-                <p14:modId xmlns:p14="http://schemas.microsoft.com/office/powerpoint/2010/main" val="1361690043"/>
-              </p:ext>
-            </p:extLst>
-          </p:nvPr>
-        </p:nvGraphicFramePr>
-        <p:xfrm>
-          <a:off x="286917" y="1484731"/>
-          <a:ext cx="8676595" cy="4369954"/>
-        </p:xfrm>
-        <a:graphic>
-          <a:graphicData uri="http://schemas.openxmlformats.org/drawingml/2006/table">
-            <a:tbl>
-              <a:tblPr firstRow="1" bandRow="1">
-                <a:tableStyleId>{93296810-A885-4BE3-A3E7-6D5BEEA58F35}</a:tableStyleId>
-              </a:tblPr>
-              <a:tblGrid>
-                <a:gridCol w="1895727">
-                  <a:extLst>
-                    <a:ext uri="{9D8B030D-6E8A-4147-A177-3AD203B41FA5}">
-                      <a16:colId xmlns:a16="http://schemas.microsoft.com/office/drawing/2014/main" val="3159846842"/>
-                    </a:ext>
-                  </a:extLst>
-                </a:gridCol>
-                <a:gridCol w="2442572">
-                  <a:extLst>
-                    <a:ext uri="{9D8B030D-6E8A-4147-A177-3AD203B41FA5}">
-                      <a16:colId xmlns:a16="http://schemas.microsoft.com/office/drawing/2014/main" val="3851399104"/>
-                    </a:ext>
-                  </a:extLst>
-                </a:gridCol>
-                <a:gridCol w="2169148">
-                  <a:extLst>
-                    <a:ext uri="{9D8B030D-6E8A-4147-A177-3AD203B41FA5}">
-                      <a16:colId xmlns:a16="http://schemas.microsoft.com/office/drawing/2014/main" val="1951162364"/>
-                    </a:ext>
-                  </a:extLst>
-                </a:gridCol>
-                <a:gridCol w="2169148">
-                  <a:extLst>
-                    <a:ext uri="{9D8B030D-6E8A-4147-A177-3AD203B41FA5}">
-                      <a16:colId xmlns:a16="http://schemas.microsoft.com/office/drawing/2014/main" val="1770958169"/>
-                    </a:ext>
-                  </a:extLst>
-                </a:gridCol>
-              </a:tblGrid>
-              <a:tr h="286053">
-                <a:tc>
-                  <a:txBody>
-                    <a:bodyPr/>
-                    <a:lstStyle/>
-                    <a:p>
-                      <a:r>
-                        <a:rPr kumimoji="1" lang="ja-JP" altLang="en-US" sz="1400" dirty="0" smtClean="0"/>
-                        <a:t>オペレーション</a:t>
-                      </a:r>
-                      <a:endParaRPr kumimoji="1" lang="ja-JP" altLang="en-US" sz="1400" dirty="0"/>
-                    </a:p>
-                  </a:txBody>
-                  <a:tcPr/>
-                </a:tc>
-                <a:tc>
-                  <a:txBody>
-                    <a:bodyPr/>
-                    <a:lstStyle/>
-                    <a:p>
-                      <a:r>
-                        <a:rPr kumimoji="1" lang="en-US" altLang="ja-JP" sz="1400" dirty="0" smtClean="0"/>
-                        <a:t>Movement</a:t>
-                      </a:r>
-                      <a:endParaRPr kumimoji="1" lang="ja-JP" altLang="en-US" sz="1400" dirty="0"/>
-                    </a:p>
-                  </a:txBody>
-                  <a:tcPr/>
-                </a:tc>
-                <a:tc>
-                  <a:txBody>
-                    <a:bodyPr/>
-                    <a:lstStyle/>
-                    <a:p>
-                      <a:r>
-                        <a:rPr kumimoji="1" lang="ja-JP" altLang="en-US" sz="1400" dirty="0" smtClean="0"/>
-                        <a:t>変数名</a:t>
-                      </a:r>
-                      <a:endParaRPr kumimoji="1" lang="ja-JP" altLang="en-US" sz="1400" dirty="0"/>
-                    </a:p>
-                  </a:txBody>
-                  <a:tcPr/>
-                </a:tc>
-                <a:tc>
-                  <a:txBody>
-                    <a:bodyPr/>
-                    <a:lstStyle/>
-                    <a:p>
-                      <a:r>
-                        <a:rPr kumimoji="1" lang="ja-JP" altLang="en-US" sz="1400" dirty="0" smtClean="0"/>
-                        <a:t>具体値</a:t>
-                      </a:r>
-                      <a:endParaRPr kumimoji="1" lang="ja-JP" altLang="en-US" sz="1400" dirty="0"/>
-                    </a:p>
-                  </a:txBody>
-                  <a:tcPr/>
-                </a:tc>
-                <a:extLst>
-                  <a:ext uri="{0D108BD9-81ED-4DB2-BD59-A6C34878D82A}">
-                    <a16:rowId xmlns:a16="http://schemas.microsoft.com/office/drawing/2014/main" val="1531434621"/>
+                    <a16:rowId xmlns:a16="http://schemas.microsoft.com/office/drawing/2014/main" val="1987100456"/>
                   </a:ext>
                 </a:extLst>
               </a:tr>
@@ -28521,7 +28619,7 @@
                     <a:lstStyle/>
                     <a:p>
                       <a:r>
-                        <a:rPr kumimoji="1" lang="en-US" altLang="ja-JP" sz="1200" dirty="0" err="1" smtClean="0"/>
+                        <a:rPr kumimoji="1" lang="en-US" altLang="ja-JP" sz="1200" dirty="0" smtClean="0"/>
                         <a:t>Terraform_demo</a:t>
                       </a:r>
                       <a:endParaRPr kumimoji="1" lang="ja-JP" altLang="en-US" sz="1200" dirty="0"/>
@@ -28571,20 +28669,12 @@
                     <a:lstStyle/>
                     <a:p>
                       <a:r>
-                        <a:rPr kumimoji="1" lang="en-US" altLang="ja-JP" sz="1200" dirty="0" err="1" smtClean="0">
-                          <a:solidFill>
-                            <a:schemeClr val="tx1"/>
-                          </a:solidFill>
-                        </a:rPr>
-                        <a:t>ita</a:t>
-                      </a:r>
-                      <a:r>
                         <a:rPr kumimoji="1" lang="en-US" altLang="ja-JP" sz="1200" dirty="0" smtClean="0">
                           <a:solidFill>
                             <a:schemeClr val="tx1"/>
                           </a:solidFill>
                         </a:rPr>
-                        <a:t>-demo-NIC</a:t>
+                        <a:t>ita-demo-NIC</a:t>
                       </a:r>
                       <a:endParaRPr kumimoji="1" lang="ja-JP" altLang="en-US" sz="1200" dirty="0">
                         <a:solidFill>
@@ -28625,7 +28715,7 @@
                         <a:defRPr/>
                       </a:pPr>
                       <a:r>
-                        <a:rPr kumimoji="1" lang="en-US" altLang="ja-JP" sz="1200" dirty="0" err="1" smtClean="0"/>
+                        <a:rPr kumimoji="1" lang="en-US" altLang="ja-JP" sz="1200" dirty="0" smtClean="0"/>
                         <a:t>Terraform_demo</a:t>
                       </a:r>
                       <a:endParaRPr kumimoji="1" lang="ja-JP" altLang="en-US" sz="1200" dirty="0" smtClean="0"/>
@@ -28744,20 +28834,12 @@
                     <a:lstStyle/>
                     <a:p>
                       <a:r>
-                        <a:rPr kumimoji="1" lang="en-US" altLang="ja-JP" sz="1200" dirty="0" err="1" smtClean="0">
-                          <a:solidFill>
-                            <a:schemeClr val="tx1"/>
-                          </a:solidFill>
-                        </a:rPr>
-                        <a:t>ita</a:t>
-                      </a:r>
-                      <a:r>
                         <a:rPr kumimoji="1" lang="en-US" altLang="ja-JP" sz="1200" dirty="0" smtClean="0">
                           <a:solidFill>
                             <a:schemeClr val="tx1"/>
                           </a:solidFill>
                         </a:rPr>
-                        <a:t>-demo-web-azure</a:t>
+                        <a:t>ita-demo-web-azure</a:t>
                       </a:r>
                       <a:endParaRPr kumimoji="1" lang="ja-JP" altLang="en-US" sz="1200" dirty="0">
                         <a:solidFill>
@@ -28798,7 +28880,7 @@
                         <a:defRPr/>
                       </a:pPr>
                       <a:r>
-                        <a:rPr kumimoji="1" lang="en-US" altLang="ja-JP" sz="1200" dirty="0" err="1" smtClean="0"/>
+                        <a:rPr kumimoji="1" lang="en-US" altLang="ja-JP" sz="1200" dirty="0" smtClean="0"/>
                         <a:t>Terraform_demo</a:t>
                       </a:r>
                       <a:endParaRPr kumimoji="1" lang="ja-JP" altLang="en-US" sz="1200" dirty="0" smtClean="0"/>
@@ -28963,7 +29045,7 @@
                         <a:defRPr/>
                       </a:pPr>
                       <a:r>
-                        <a:rPr kumimoji="1" lang="en-US" altLang="ja-JP" sz="1200" dirty="0" err="1" smtClean="0"/>
+                        <a:rPr kumimoji="1" lang="en-US" altLang="ja-JP" sz="1200" dirty="0" smtClean="0"/>
                         <a:t>Terraform_demo</a:t>
                       </a:r>
                       <a:endParaRPr kumimoji="1" lang="ja-JP" altLang="en-US" sz="1200" dirty="0" smtClean="0"/>
@@ -29104,7 +29186,7 @@
                   </a:ext>
                 </a:extLst>
               </a:tr>
-              <a:tr h="315665">
+              <a:tr h="277174">
                 <a:tc>
                   <a:txBody>
                     <a:bodyPr/>
@@ -29128,7 +29210,7 @@
                         <a:defRPr/>
                       </a:pPr>
                       <a:r>
-                        <a:rPr kumimoji="1" lang="en-US" altLang="ja-JP" sz="1200" dirty="0" err="1" smtClean="0"/>
+                        <a:rPr kumimoji="1" lang="en-US" altLang="ja-JP" sz="1200" dirty="0" smtClean="0"/>
                         <a:t>Terraform_demo</a:t>
                       </a:r>
                       <a:endParaRPr kumimoji="1" lang="ja-JP" altLang="en-US" sz="1200" dirty="0" smtClean="0"/>
@@ -29293,7 +29375,7 @@
                         <a:defRPr/>
                       </a:pPr>
                       <a:r>
-                        <a:rPr kumimoji="1" lang="en-US" altLang="ja-JP" sz="1200" dirty="0" err="1" smtClean="0"/>
+                        <a:rPr kumimoji="1" lang="en-US" altLang="ja-JP" sz="1200" dirty="0" smtClean="0"/>
                         <a:t>Terraform_demo</a:t>
                       </a:r>
                       <a:endParaRPr kumimoji="1" lang="ja-JP" altLang="en-US" sz="1200" dirty="0" smtClean="0"/>
@@ -29434,7 +29516,7 @@
                   </a:ext>
                 </a:extLst>
               </a:tr>
-              <a:tr h="315665">
+              <a:tr h="226896">
                 <a:tc>
                   <a:txBody>
                     <a:bodyPr/>
@@ -29458,7 +29540,7 @@
                         <a:defRPr/>
                       </a:pPr>
                       <a:r>
-                        <a:rPr kumimoji="1" lang="en-US" altLang="ja-JP" sz="1200" dirty="0" err="1" smtClean="0"/>
+                        <a:rPr kumimoji="1" lang="en-US" altLang="ja-JP" sz="1200" dirty="0" smtClean="0"/>
                         <a:t>Terraform_demo</a:t>
                       </a:r>
                       <a:endParaRPr kumimoji="1" lang="ja-JP" altLang="en-US" sz="1200" dirty="0" smtClean="0"/>
@@ -29577,20 +29659,12 @@
                     <a:lstStyle/>
                     <a:p>
                       <a:r>
-                        <a:rPr kumimoji="1" lang="en-US" altLang="ja-JP" sz="1200" dirty="0" err="1" smtClean="0">
-                          <a:solidFill>
-                            <a:schemeClr val="tx1"/>
-                          </a:solidFill>
-                        </a:rPr>
-                        <a:t>ita</a:t>
-                      </a:r>
-                      <a:r>
                         <a:rPr kumimoji="1" lang="en-US" altLang="ja-JP" sz="1200" dirty="0" smtClean="0">
                           <a:solidFill>
                             <a:schemeClr val="tx1"/>
                           </a:solidFill>
                         </a:rPr>
-                        <a:t>-demo-</a:t>
+                        <a:t>ita-demo-</a:t>
                       </a:r>
                       <a:r>
                         <a:rPr kumimoji="1" lang="en-US" altLang="ja-JP" sz="1200" dirty="0" err="1" smtClean="0">
@@ -29623,7 +29697,7 @@
                   </a:ext>
                 </a:extLst>
               </a:tr>
-              <a:tr h="315665">
+              <a:tr h="240616">
                 <a:tc>
                   <a:txBody>
                     <a:bodyPr/>
@@ -29647,7 +29721,7 @@
                         <a:defRPr/>
                       </a:pPr>
                       <a:r>
-                        <a:rPr kumimoji="1" lang="en-US" altLang="ja-JP" sz="1200" dirty="0" err="1" smtClean="0"/>
+                        <a:rPr kumimoji="1" lang="en-US" altLang="ja-JP" sz="1200" dirty="0" smtClean="0"/>
                         <a:t>Terraform_demo</a:t>
                       </a:r>
                       <a:endParaRPr kumimoji="1" lang="ja-JP" altLang="en-US" sz="1200" dirty="0" smtClean="0"/>
@@ -29812,7 +29886,7 @@
                         <a:defRPr/>
                       </a:pPr>
                       <a:r>
-                        <a:rPr kumimoji="1" lang="en-US" altLang="ja-JP" sz="1200" dirty="0" err="1" smtClean="0"/>
+                        <a:rPr kumimoji="1" lang="en-US" altLang="ja-JP" sz="1200" dirty="0" smtClean="0"/>
                         <a:t>Terraform_demo</a:t>
                       </a:r>
                       <a:endParaRPr kumimoji="1" lang="ja-JP" altLang="en-US" sz="1200" dirty="0" smtClean="0"/>
@@ -29982,7 +30056,7 @@
                         <a:defRPr/>
                       </a:pPr>
                       <a:r>
-                        <a:rPr kumimoji="1" lang="en-US" altLang="ja-JP" sz="1200" b="0" i="0" u="none" strike="noStrike" kern="1200" cap="none" spc="0" normalizeH="0" baseline="0" noProof="0" smtClean="0">
+                        <a:rPr kumimoji="1" lang="en-US" altLang="ja-JP" sz="1200" b="0" i="0" u="none" strike="noStrike" kern="1200" cap="none" spc="0" normalizeH="0" baseline="0" noProof="0" dirty="0" smtClean="0">
                           <a:ln>
                             <a:noFill/>
                           </a:ln>
@@ -30132,20 +30206,12 @@
                     <a:lstStyle/>
                     <a:p>
                       <a:r>
-                        <a:rPr kumimoji="1" lang="en-US" altLang="ja-JP" sz="1200" dirty="0" err="1" smtClean="0">
-                          <a:solidFill>
-                            <a:schemeClr val="tx1"/>
-                          </a:solidFill>
-                        </a:rPr>
-                        <a:t>ita</a:t>
-                      </a:r>
-                      <a:r>
                         <a:rPr kumimoji="1" lang="en-US" altLang="ja-JP" sz="1200" dirty="0" smtClean="0">
                           <a:solidFill>
                             <a:schemeClr val="tx1"/>
                           </a:solidFill>
                         </a:rPr>
-                        <a:t>-demo</a:t>
+                        <a:t>ita-demo</a:t>
                       </a:r>
                       <a:endParaRPr kumimoji="1" lang="ja-JP" altLang="en-US" sz="1200" dirty="0">
                         <a:solidFill>
@@ -30186,7 +30252,7 @@
                         <a:defRPr/>
                       </a:pPr>
                       <a:r>
-                        <a:rPr kumimoji="1" lang="en-US" altLang="ja-JP" sz="1200" b="0" i="0" u="none" strike="noStrike" kern="1200" cap="none" spc="0" normalizeH="0" baseline="0" noProof="0" smtClean="0">
+                        <a:rPr kumimoji="1" lang="en-US" altLang="ja-JP" sz="1200" b="0" i="0" u="none" strike="noStrike" kern="1200" cap="none" spc="0" normalizeH="0" baseline="0" noProof="0" dirty="0" smtClean="0">
                           <a:ln>
                             <a:noFill/>
                           </a:ln>
@@ -30375,9 +30441,17 @@
                         </a:rPr>
                         <a:t>)</a:t>
                       </a:r>
+                      <a:r>
+                        <a:rPr kumimoji="1" lang="en-US" altLang="ja-JP" sz="1200" dirty="0" smtClean="0">
+                          <a:solidFill>
+                            <a:srgbClr val="FF0000"/>
+                          </a:solidFill>
+                        </a:rPr>
+                        <a:t>※</a:t>
+                      </a:r>
                       <a:endParaRPr kumimoji="1" lang="ja-JP" altLang="en-US" sz="1200" dirty="0">
                         <a:solidFill>
-                          <a:schemeClr val="tx1"/>
+                          <a:srgbClr val="FF0000"/>
                         </a:solidFill>
                       </a:endParaRPr>
                     </a:p>
@@ -30414,7 +30488,7 @@
                         <a:defRPr/>
                       </a:pPr>
                       <a:r>
-                        <a:rPr kumimoji="1" lang="en-US" altLang="ja-JP" sz="1200" b="0" i="0" u="none" strike="noStrike" kern="1200" cap="none" spc="0" normalizeH="0" baseline="0" noProof="0" smtClean="0">
+                        <a:rPr kumimoji="1" lang="en-US" altLang="ja-JP" sz="1200" b="0" i="0" u="none" strike="noStrike" kern="1200" cap="none" spc="0" normalizeH="0" baseline="0" noProof="0" dirty="0" smtClean="0">
                           <a:ln>
                             <a:noFill/>
                           </a:ln>
@@ -30610,7 +30684,7 @@
                         <a:defRPr/>
                       </a:pPr>
                       <a:r>
-                        <a:rPr kumimoji="1" lang="en-US" altLang="ja-JP" sz="1200" b="0" i="0" u="none" strike="noStrike" kern="1200" cap="none" spc="0" normalizeH="0" baseline="0" noProof="0" smtClean="0">
+                        <a:rPr kumimoji="1" lang="en-US" altLang="ja-JP" sz="1200" b="0" i="0" u="none" strike="noStrike" kern="1200" cap="none" spc="0" normalizeH="0" baseline="0" noProof="0" dirty="0" smtClean="0">
                           <a:ln>
                             <a:noFill/>
                           </a:ln>
@@ -32610,11 +32684,7 @@
             </a:r>
             <a:r>
               <a:rPr kumimoji="1" lang="ja-JP" altLang="en-US" sz="1600" dirty="0" smtClean="0"/>
-              <a:t>を</a:t>
-            </a:r>
-            <a:r>
-              <a:rPr kumimoji="1" lang="ja-JP" altLang="en-US" sz="1600" dirty="0" smtClean="0"/>
-              <a:t>変更して同様に実行します。</a:t>
+              <a:t>を変更して同様に実行します。</a:t>
             </a:r>
             <a:endParaRPr kumimoji="1" lang="en-US" altLang="ja-JP" sz="1600" dirty="0" smtClean="0"/>
           </a:p>
@@ -32841,7 +32911,7 @@
                     <a:lstStyle/>
                     <a:p>
                       <a:r>
-                        <a:rPr kumimoji="1" lang="en-US" altLang="ja-JP" sz="1200" dirty="0" err="1" smtClean="0"/>
+                        <a:rPr kumimoji="1" lang="en-US" altLang="ja-JP" sz="1200" dirty="0" smtClean="0"/>
                         <a:t>Terraform_demo</a:t>
                       </a:r>
                       <a:endParaRPr kumimoji="1" lang="ja-JP" altLang="en-US" sz="1200" dirty="0"/>
@@ -32937,7 +33007,7 @@
                         <a:defRPr/>
                       </a:pPr>
                       <a:r>
-                        <a:rPr kumimoji="1" lang="en-US" altLang="ja-JP" sz="1200" dirty="0" err="1" smtClean="0"/>
+                        <a:rPr kumimoji="1" lang="en-US" altLang="ja-JP" sz="1200" dirty="0" smtClean="0"/>
                         <a:t>Terraform_demo</a:t>
                       </a:r>
                       <a:endParaRPr kumimoji="1" lang="ja-JP" altLang="en-US" sz="1200" dirty="0" smtClean="0"/>
@@ -33296,7 +33366,7 @@
                     <a:lstStyle/>
                     <a:p>
                       <a:r>
-                        <a:rPr kumimoji="1" lang="en-US" altLang="ja-JP" sz="1200" dirty="0" err="1" smtClean="0"/>
+                        <a:rPr kumimoji="1" lang="en-US" altLang="ja-JP" sz="1200" dirty="0" smtClean="0"/>
                         <a:t>Terraform_demo</a:t>
                       </a:r>
                       <a:endParaRPr kumimoji="1" lang="ja-JP" altLang="en-US" sz="1200" dirty="0"/>
@@ -33392,7 +33462,7 @@
                         <a:defRPr/>
                       </a:pPr>
                       <a:r>
-                        <a:rPr kumimoji="1" lang="en-US" altLang="ja-JP" sz="1200" dirty="0" err="1" smtClean="0"/>
+                        <a:rPr kumimoji="1" lang="en-US" altLang="ja-JP" sz="1200" dirty="0" smtClean="0"/>
                         <a:t>Terraform_demo</a:t>
                       </a:r>
                       <a:endParaRPr kumimoji="1" lang="ja-JP" altLang="en-US" sz="1200" dirty="0" smtClean="0"/>
@@ -34067,13 +34137,7 @@
               <a:rPr kumimoji="1" lang="en-US" altLang="ja-JP" sz="1400" dirty="0" smtClean="0">
                 <a:latin typeface="+mn-ea"/>
               </a:rPr>
-              <a:t>$</a:t>
-            </a:r>
-            <a:r>
-              <a:rPr kumimoji="1" lang="en-US" altLang="ja-JP" sz="1400" dirty="0" smtClean="0">
-                <a:latin typeface="+mn-ea"/>
-              </a:rPr>
-              <a:t>50</a:t>
+              <a:t>$50</a:t>
             </a:r>
             <a:r>
               <a:rPr kumimoji="1" lang="ja-JP" altLang="en-US" sz="1400" dirty="0" smtClean="0">
@@ -35498,6 +35562,30 @@
           <a:chExt cx="0" cy="0"/>
         </a:xfrm>
       </p:grpSpPr>
+      <p:pic>
+        <p:nvPicPr>
+          <p:cNvPr id="6" name="図 5"/>
+          <p:cNvPicPr>
+            <a:picLocks noChangeAspect="1"/>
+          </p:cNvPicPr>
+          <p:nvPr/>
+        </p:nvPicPr>
+        <p:blipFill>
+          <a:blip r:embed="rId2"/>
+          <a:stretch>
+            <a:fillRect/>
+          </a:stretch>
+        </p:blipFill>
+        <p:spPr>
+          <a:xfrm>
+            <a:off x="467430" y="2132820"/>
+            <a:ext cx="8245725" cy="4015496"/>
+          </a:xfrm>
+          <a:prstGeom prst="rect">
+            <a:avLst/>
+          </a:prstGeom>
+        </p:spPr>
+      </p:pic>
       <p:sp>
         <p:nvSpPr>
           <p:cNvPr id="2" name="タイトル 1"/>
@@ -35597,30 +35685,6 @@
           </a:p>
         </p:txBody>
       </p:sp>
-      <p:pic>
-        <p:nvPicPr>
-          <p:cNvPr id="4" name="図 3"/>
-          <p:cNvPicPr>
-            <a:picLocks noChangeAspect="1"/>
-          </p:cNvPicPr>
-          <p:nvPr/>
-        </p:nvPicPr>
-        <p:blipFill>
-          <a:blip r:embed="rId2"/>
-          <a:stretch>
-            <a:fillRect/>
-          </a:stretch>
-        </p:blipFill>
-        <p:spPr>
-          <a:xfrm>
-            <a:off x="449170" y="2204830"/>
-            <a:ext cx="8425170" cy="4131113"/>
-          </a:xfrm>
-          <a:prstGeom prst="rect">
-            <a:avLst/>
-          </a:prstGeom>
-        </p:spPr>
-      </p:pic>
       <p:sp>
         <p:nvSpPr>
           <p:cNvPr id="5" name="正方形/長方形 4"/>
@@ -35629,8 +35693,8 @@
         </p:nvSpPr>
         <p:spPr bwMode="auto">
           <a:xfrm>
-            <a:off x="1331550" y="4509150"/>
-            <a:ext cx="720100" cy="792110"/>
+            <a:off x="1926410" y="4386338"/>
+            <a:ext cx="576080" cy="720100"/>
           </a:xfrm>
           <a:prstGeom prst="rect">
             <a:avLst/>
@@ -36562,7 +36626,7 @@
                     <a:lstStyle/>
                     <a:p>
                       <a:r>
-                        <a:rPr kumimoji="1" lang="en-US" altLang="ja-JP" sz="1200" dirty="0" err="1" smtClean="0"/>
+                        <a:rPr kumimoji="1" lang="en-US" altLang="ja-JP" sz="1200" dirty="0" smtClean="0"/>
                         <a:t>Terraform_demo</a:t>
                       </a:r>
                       <a:endParaRPr kumimoji="1" lang="ja-JP" altLang="en-US" sz="1200" dirty="0"/>
@@ -36666,7 +36730,7 @@
                         <a:defRPr/>
                       </a:pPr>
                       <a:r>
-                        <a:rPr kumimoji="1" lang="en-US" altLang="ja-JP" sz="1200" dirty="0" err="1" smtClean="0"/>
+                        <a:rPr kumimoji="1" lang="en-US" altLang="ja-JP" sz="1200" dirty="0" smtClean="0"/>
                         <a:t>Terraform_demo</a:t>
                       </a:r>
                       <a:endParaRPr kumimoji="1" lang="ja-JP" altLang="en-US" sz="1200" dirty="0" smtClean="0"/>
@@ -37020,7 +37084,7 @@
                     <a:lstStyle/>
                     <a:p>
                       <a:r>
-                        <a:rPr kumimoji="1" lang="en-US" altLang="ja-JP" sz="1200" dirty="0" err="1" smtClean="0"/>
+                        <a:rPr kumimoji="1" lang="en-US" altLang="ja-JP" sz="1200" dirty="0" smtClean="0"/>
                         <a:t>Terraform_demo</a:t>
                       </a:r>
                       <a:endParaRPr kumimoji="1" lang="ja-JP" altLang="en-US" sz="1200" dirty="0"/>
@@ -37124,7 +37188,7 @@
                         <a:defRPr/>
                       </a:pPr>
                       <a:r>
-                        <a:rPr kumimoji="1" lang="en-US" altLang="ja-JP" sz="1200" dirty="0" err="1" smtClean="0"/>
+                        <a:rPr kumimoji="1" lang="en-US" altLang="ja-JP" sz="1200" dirty="0" smtClean="0"/>
                         <a:t>Terraform_demo</a:t>
                       </a:r>
                       <a:endParaRPr kumimoji="1" lang="ja-JP" altLang="en-US" sz="1200" dirty="0" smtClean="0"/>
@@ -38107,28 +38171,74 @@
               <a:t>Azure</a:t>
             </a:r>
             <a:r>
-              <a:rPr lang="ja-JP" altLang="en-US" dirty="0" err="1" smtClean="0"/>
-              <a:t>、</a:t>
+              <a:rPr lang="ja-JP" altLang="en-US" dirty="0" smtClean="0"/>
+              <a:t>のアカウント、</a:t>
+            </a:r>
+            <a:endParaRPr lang="en-US" altLang="ja-JP" dirty="0" smtClean="0"/>
+          </a:p>
+          <a:p>
+            <a:pPr marL="180000" lvl="1" indent="0">
+              <a:buNone/>
+            </a:pPr>
+            <a:r>
+              <a:rPr lang="en-US" altLang="ja-JP" dirty="0"/>
+              <a:t> </a:t>
             </a:r>
             <a:r>
               <a:rPr lang="en-US" altLang="ja-JP" dirty="0" smtClean="0"/>
-              <a:t>Terraform </a:t>
+              <a:t> </a:t>
+            </a:r>
+            <a:r>
+              <a:rPr lang="ja-JP" altLang="en-US" dirty="0"/>
+              <a:t>およ</a:t>
+            </a:r>
+            <a:r>
+              <a:rPr lang="ja-JP" altLang="en-US" dirty="0" smtClean="0"/>
+              <a:t>び</a:t>
             </a:r>
             <a:r>
               <a:rPr lang="en-US" altLang="ja-JP" dirty="0" smtClean="0"/>
-              <a:t>Enterpris</a:t>
+              <a:t>Terraform</a:t>
+            </a:r>
+            <a:r>
+              <a:rPr lang="ja-JP" altLang="en-US" dirty="0" smtClean="0"/>
+              <a:t>環境</a:t>
             </a:r>
             <a:r>
               <a:rPr lang="en-US" altLang="ja-JP" dirty="0"/>
-              <a:t>e</a:t>
+              <a:t>(</a:t>
+            </a:r>
+            <a:r>
+              <a:rPr lang="en-US" altLang="ja-JP" dirty="0" smtClean="0"/>
+              <a:t>Terraform</a:t>
+            </a:r>
+            <a:r>
+              <a:rPr lang="ja-JP" altLang="en-US" dirty="0"/>
+              <a:t> </a:t>
+            </a:r>
+            <a:r>
+              <a:rPr lang="en-US" altLang="ja-JP" dirty="0" smtClean="0"/>
+              <a:t>Cloud</a:t>
             </a:r>
             <a:r>
               <a:rPr lang="ja-JP" altLang="en-US" dirty="0" smtClean="0"/>
-              <a:t>アカウントをご用意</a:t>
+              <a:t>の</a:t>
+            </a:r>
+            <a:r>
+              <a:rPr lang="ja-JP" altLang="en-US" dirty="0"/>
+              <a:t>場合は</a:t>
             </a:r>
             <a:r>
               <a:rPr lang="ja-JP" altLang="en-US" dirty="0" smtClean="0"/>
-              <a:t>ください。</a:t>
+              <a:t>アカウント</a:t>
+            </a:r>
+            <a:r>
+              <a:rPr lang="en-US" altLang="ja-JP" dirty="0" smtClean="0"/>
+              <a:t>) </a:t>
+            </a:r>
+            <a:r>
+              <a:rPr lang="ja-JP" altLang="en-US" dirty="0" smtClean="0"/>
+              <a:t>をご用意ください。</a:t>
             </a:r>
             <a:endParaRPr lang="en-US" altLang="ja-JP" dirty="0" smtClean="0"/>
           </a:p>
@@ -38143,48 +38253,6 @@
               <a:buNone/>
             </a:pPr>
             <a:endParaRPr lang="en-US" altLang="ja-JP" dirty="0" smtClean="0"/>
-          </a:p>
-          <a:p>
-            <a:pPr marL="180000" lvl="1" indent="0">
-              <a:buNone/>
-            </a:pPr>
-            <a:r>
-              <a:rPr lang="en-US" altLang="ja-JP" b="1" dirty="0" smtClean="0"/>
-              <a:t>ITA</a:t>
-            </a:r>
-            <a:r>
-              <a:rPr lang="ja-JP" altLang="en-US" b="1" dirty="0" smtClean="0"/>
-              <a:t>ホストサーバ</a:t>
-            </a:r>
-            <a:endParaRPr lang="en-US" altLang="ja-JP" b="1" dirty="0" smtClean="0"/>
-          </a:p>
-          <a:p>
-            <a:pPr lvl="1">
-              <a:buFont typeface="Arial" panose="020B0604020202020204" pitchFamily="34" charset="0"/>
-              <a:buChar char="•"/>
-            </a:pPr>
-            <a:r>
-              <a:rPr lang="en-US" altLang="ja-JP" dirty="0" smtClean="0"/>
-              <a:t>CentOS7(※)</a:t>
-            </a:r>
-          </a:p>
-          <a:p>
-            <a:pPr lvl="1">
-              <a:buFont typeface="Arial" panose="020B0604020202020204" pitchFamily="34" charset="0"/>
-              <a:buChar char="•"/>
-            </a:pPr>
-            <a:r>
-              <a:rPr lang="en-US" altLang="ja-JP" dirty="0" smtClean="0"/>
-              <a:t>ITA </a:t>
-            </a:r>
-            <a:r>
-              <a:rPr lang="en-US" altLang="ja-JP" dirty="0" err="1" smtClean="0"/>
-              <a:t>ver</a:t>
-            </a:r>
-            <a:r>
-              <a:rPr lang="en-US" altLang="ja-JP" dirty="0" smtClean="0"/>
-              <a:t> 1.8</a:t>
-            </a:r>
           </a:p>
           <a:p>
             <a:pPr lvl="1">
@@ -38246,6 +38314,18 @@
               <a:buNone/>
             </a:pPr>
             <a:endParaRPr lang="en-US" altLang="ja-JP" sz="1200" dirty="0" smtClean="0"/>
+          </a:p>
+          <a:p>
+            <a:pPr marL="180000" lvl="1" indent="0">
+              <a:buNone/>
+            </a:pPr>
+            <a:endParaRPr lang="en-US" altLang="ja-JP" sz="1200" dirty="0" smtClean="0"/>
+          </a:p>
+          <a:p>
+            <a:pPr marL="180000" lvl="1" indent="0">
+              <a:buNone/>
+            </a:pPr>
+            <a:endParaRPr lang="en-US" altLang="ja-JP" sz="1200" dirty="0"/>
           </a:p>
           <a:p>
             <a:pPr marL="180000" lvl="1" indent="0">
@@ -38560,7 +38640,7 @@
                 </a:solidFill>
                 <a:latin typeface="+mn-ea"/>
               </a:rPr>
-              <a:t>ITA 1.8</a:t>
+              <a:t>ITA 1.9</a:t>
             </a:r>
             <a:endParaRPr kumimoji="1" lang="ja-JP" altLang="en-US" b="1" dirty="0" smtClean="0">
               <a:solidFill>
@@ -38753,7 +38833,7 @@
         </p:nvSpPr>
         <p:spPr>
           <a:xfrm>
-            <a:off x="5398384" y="2374861"/>
+            <a:off x="5430277" y="2404707"/>
             <a:ext cx="2844396" cy="1446550"/>
           </a:xfrm>
           <a:prstGeom prst="rect">
@@ -38813,7 +38893,7 @@
         <p:spPr>
           <a:xfrm>
             <a:off x="2720307" y="2360951"/>
-            <a:ext cx="2448340" cy="923330"/>
+            <a:ext cx="2448340" cy="1107996"/>
           </a:xfrm>
           <a:prstGeom prst="rect">
             <a:avLst/>
@@ -38846,16 +38926,126 @@
             </a:r>
             <a:r>
               <a:rPr lang="en-US" altLang="ja-JP" sz="1600" dirty="0" smtClean="0"/>
-              <a:t>Enterpris</a:t>
-            </a:r>
-            <a:r>
-              <a:rPr lang="en-US" altLang="ja-JP" sz="1600" dirty="0"/>
-              <a:t>e</a:t>
-            </a:r>
-            <a:endParaRPr lang="en-US" altLang="ja-JP" sz="1600" dirty="0" smtClean="0"/>
-          </a:p>
-          <a:p>
-            <a:endParaRPr kumimoji="1" lang="ja-JP" altLang="en-US" dirty="0"/>
+              <a:t>Enterprise</a:t>
+            </a:r>
+          </a:p>
+          <a:p>
+            <a:r>
+              <a:rPr lang="ja-JP" altLang="en-US" sz="1600" dirty="0" smtClean="0"/>
+              <a:t>               </a:t>
+            </a:r>
+            <a:r>
+              <a:rPr lang="en-US" altLang="ja-JP" sz="1600" dirty="0" smtClean="0"/>
+              <a:t>or</a:t>
+            </a:r>
+          </a:p>
+          <a:p>
+            <a:r>
+              <a:rPr lang="ja-JP" altLang="en-US" sz="1600" dirty="0" smtClean="0"/>
+              <a:t>・</a:t>
+            </a:r>
+            <a:r>
+              <a:rPr lang="en-US" altLang="ja-JP" sz="1600" dirty="0" smtClean="0"/>
+              <a:t>Terraform</a:t>
+            </a:r>
+            <a:r>
+              <a:rPr lang="ja-JP" altLang="en-US" sz="1600" dirty="0" smtClean="0"/>
+              <a:t> </a:t>
+            </a:r>
+            <a:r>
+              <a:rPr lang="en-US" altLang="ja-JP" sz="1600" dirty="0" smtClean="0"/>
+              <a:t>Cloud</a:t>
+            </a:r>
+            <a:endParaRPr lang="en-US" altLang="ja-JP" sz="1600" dirty="0"/>
+          </a:p>
+        </p:txBody>
+      </p:sp>
+      <p:sp>
+        <p:nvSpPr>
+          <p:cNvPr id="5" name="テキスト ボックス 4"/>
+          <p:cNvSpPr txBox="1"/>
+          <p:nvPr/>
+        </p:nvSpPr>
+        <p:spPr>
+          <a:xfrm>
+            <a:off x="287239" y="2360951"/>
+            <a:ext cx="2376330" cy="861774"/>
+          </a:xfrm>
+          <a:prstGeom prst="rect">
+            <a:avLst/>
+          </a:prstGeom>
+          <a:noFill/>
+        </p:spPr>
+        <p:txBody>
+          <a:bodyPr wrap="square" rtlCol="0">
+            <a:spAutoFit/>
+          </a:bodyPr>
+          <a:lstStyle/>
+          <a:p>
+            <a:r>
+              <a:rPr lang="en-US" altLang="ja-JP" b="1" dirty="0">
+                <a:latin typeface="メイリオ" panose="020B0604030504040204" pitchFamily="50" charset="-128"/>
+                <a:ea typeface="メイリオ" panose="020B0604030504040204" pitchFamily="50" charset="-128"/>
+              </a:rPr>
+              <a:t>ITA</a:t>
+            </a:r>
+            <a:r>
+              <a:rPr lang="ja-JP" altLang="en-US" b="1" dirty="0">
+                <a:latin typeface="メイリオ" panose="020B0604030504040204" pitchFamily="50" charset="-128"/>
+                <a:ea typeface="メイリオ" panose="020B0604030504040204" pitchFamily="50" charset="-128"/>
+              </a:rPr>
+              <a:t>ホストサーバ </a:t>
+            </a:r>
+            <a:endParaRPr lang="en-US" altLang="ja-JP" b="1" dirty="0" smtClean="0">
+              <a:latin typeface="メイリオ" panose="020B0604030504040204" pitchFamily="50" charset="-128"/>
+              <a:ea typeface="メイリオ" panose="020B0604030504040204" pitchFamily="50" charset="-128"/>
+            </a:endParaRPr>
+          </a:p>
+          <a:p>
+            <a:r>
+              <a:rPr lang="ja-JP" altLang="en-US" sz="1600" dirty="0" smtClean="0">
+                <a:latin typeface="+mj-lt"/>
+              </a:rPr>
+              <a:t>・</a:t>
+            </a:r>
+            <a:r>
+              <a:rPr lang="en-US" altLang="ja-JP" sz="1600" dirty="0" smtClean="0">
+                <a:latin typeface="+mj-lt"/>
+              </a:rPr>
+              <a:t>CentOS7</a:t>
+            </a:r>
+            <a:r>
+              <a:rPr lang="en-US" altLang="ja-JP" sz="1600" dirty="0">
+                <a:latin typeface="+mj-lt"/>
+              </a:rPr>
+              <a:t>(※)</a:t>
+            </a:r>
+          </a:p>
+          <a:p>
+            <a:r>
+              <a:rPr lang="ja-JP" altLang="en-US" sz="1600" dirty="0">
+                <a:latin typeface="+mj-lt"/>
+              </a:rPr>
+              <a:t>・</a:t>
+            </a:r>
+            <a:r>
+              <a:rPr lang="en-US" altLang="ja-JP" sz="1600" dirty="0" smtClean="0">
+                <a:latin typeface="+mj-lt"/>
+              </a:rPr>
+              <a:t>ITA </a:t>
+            </a:r>
+            <a:r>
+              <a:rPr lang="en-US" altLang="ja-JP" sz="1600" dirty="0" err="1">
+                <a:latin typeface="+mj-lt"/>
+              </a:rPr>
+              <a:t>ver</a:t>
+            </a:r>
+            <a:r>
+              <a:rPr lang="en-US" altLang="ja-JP" sz="1600" dirty="0">
+                <a:latin typeface="+mj-lt"/>
+              </a:rPr>
+              <a:t> 1.9</a:t>
+            </a:r>
           </a:p>
         </p:txBody>
       </p:sp>

--- a/asset/Learn_ja/ITA-Terraform-driver-practice_ja.pptx
+++ b/asset/Learn_ja/ITA-Terraform-driver-practice_ja.pptx
@@ -358,7 +358,7 @@
               <a:rPr kumimoji="1" lang="ja-JP" altLang="en-US" smtClean="0">
                 <a:ea typeface="メイリオ" panose="020B0604030504040204" pitchFamily="50" charset="-128"/>
               </a:rPr>
-              <a:t>2022/5/23</a:t>
+              <a:t>2022/6/29</a:t>
             </a:fld>
             <a:endParaRPr kumimoji="1" lang="ja-JP" altLang="en-US" dirty="0">
               <a:ea typeface="メイリオ" panose="020B0604030504040204" pitchFamily="50" charset="-128"/>
@@ -504,7 +504,7 @@
             <a:fld id="{4B26993D-C081-44EB-B0F5-A9F467792B62}" type="datetimeFigureOut">
               <a:rPr lang="ja-JP" altLang="en-US" smtClean="0"/>
               <a:pPr/>
-              <a:t>2022/5/23</a:t>
+              <a:t>2022/6/29</a:t>
             </a:fld>
             <a:endParaRPr lang="ja-JP" altLang="en-US" dirty="0"/>
           </a:p>
@@ -2278,7 +2278,7 @@
           <a:p>
             <a:fld id="{56F9016B-CCA6-43BE-8BEE-59565A35F4F7}" type="datetimeFigureOut">
               <a:rPr kumimoji="1" lang="ja-JP" altLang="en-US" smtClean="0"/>
-              <a:t>2022/5/23</a:t>
+              <a:t>2022/6/29</a:t>
             </a:fld>
             <a:endParaRPr kumimoji="1" lang="ja-JP" altLang="en-US"/>
           </a:p>
@@ -2478,7 +2478,7 @@
           <a:p>
             <a:fld id="{56F9016B-CCA6-43BE-8BEE-59565A35F4F7}" type="datetimeFigureOut">
               <a:rPr kumimoji="1" lang="ja-JP" altLang="en-US" smtClean="0"/>
-              <a:t>2022/5/23</a:t>
+              <a:t>2022/6/29</a:t>
             </a:fld>
             <a:endParaRPr kumimoji="1" lang="ja-JP" altLang="en-US"/>
           </a:p>
@@ -2723,7 +2723,7 @@
           <a:p>
             <a:fld id="{56F9016B-CCA6-43BE-8BEE-59565A35F4F7}" type="datetimeFigureOut">
               <a:rPr kumimoji="1" lang="ja-JP" altLang="en-US" smtClean="0"/>
-              <a:t>2022/5/23</a:t>
+              <a:t>2022/6/29</a:t>
             </a:fld>
             <a:endParaRPr kumimoji="1" lang="ja-JP" altLang="en-US"/>
           </a:p>
@@ -3016,7 +3016,7 @@
           <a:p>
             <a:fld id="{56F9016B-CCA6-43BE-8BEE-59565A35F4F7}" type="datetimeFigureOut">
               <a:rPr kumimoji="1" lang="ja-JP" altLang="en-US" smtClean="0"/>
-              <a:t>2022/5/23</a:t>
+              <a:t>2022/6/29</a:t>
             </a:fld>
             <a:endParaRPr kumimoji="1" lang="ja-JP" altLang="en-US"/>
           </a:p>
@@ -3444,7 +3444,7 @@
           <a:p>
             <a:fld id="{56F9016B-CCA6-43BE-8BEE-59565A35F4F7}" type="datetimeFigureOut">
               <a:rPr kumimoji="1" lang="ja-JP" altLang="en-US" smtClean="0"/>
-              <a:t>2022/5/23</a:t>
+              <a:t>2022/6/29</a:t>
             </a:fld>
             <a:endParaRPr kumimoji="1" lang="ja-JP" altLang="en-US"/>
           </a:p>
@@ -3561,7 +3561,7 @@
           <a:p>
             <a:fld id="{56F9016B-CCA6-43BE-8BEE-59565A35F4F7}" type="datetimeFigureOut">
               <a:rPr kumimoji="1" lang="ja-JP" altLang="en-US" smtClean="0"/>
-              <a:t>2022/5/23</a:t>
+              <a:t>2022/6/29</a:t>
             </a:fld>
             <a:endParaRPr kumimoji="1" lang="ja-JP" altLang="en-US"/>
           </a:p>
@@ -3656,7 +3656,7 @@
           <a:p>
             <a:fld id="{56F9016B-CCA6-43BE-8BEE-59565A35F4F7}" type="datetimeFigureOut">
               <a:rPr kumimoji="1" lang="ja-JP" altLang="en-US" smtClean="0"/>
-              <a:t>2022/5/23</a:t>
+              <a:t>2022/6/29</a:t>
             </a:fld>
             <a:endParaRPr kumimoji="1" lang="ja-JP" altLang="en-US"/>
           </a:p>
@@ -3963,7 +3963,7 @@
           <a:p>
             <a:fld id="{56F9016B-CCA6-43BE-8BEE-59565A35F4F7}" type="datetimeFigureOut">
               <a:rPr kumimoji="1" lang="ja-JP" altLang="en-US" smtClean="0"/>
-              <a:t>2022/5/23</a:t>
+              <a:t>2022/6/29</a:t>
             </a:fld>
             <a:endParaRPr kumimoji="1" lang="ja-JP" altLang="en-US"/>
           </a:p>
@@ -4215,7 +4215,7 @@
           <a:p>
             <a:fld id="{56F9016B-CCA6-43BE-8BEE-59565A35F4F7}" type="datetimeFigureOut">
               <a:rPr kumimoji="1" lang="ja-JP" altLang="en-US" smtClean="0"/>
-              <a:t>2022/5/23</a:t>
+              <a:t>2022/6/29</a:t>
             </a:fld>
             <a:endParaRPr kumimoji="1" lang="ja-JP" altLang="en-US"/>
           </a:p>
@@ -4482,7 +4482,7 @@
           <a:p>
             <a:fld id="{56F9016B-CCA6-43BE-8BEE-59565A35F4F7}" type="datetimeFigureOut">
               <a:rPr kumimoji="1" lang="ja-JP" altLang="en-US" smtClean="0"/>
-              <a:t>2022/5/23</a:t>
+              <a:t>2022/6/29</a:t>
             </a:fld>
             <a:endParaRPr kumimoji="1" lang="ja-JP" altLang="en-US"/>
           </a:p>
@@ -4692,7 +4692,7 @@
           <a:p>
             <a:fld id="{56F9016B-CCA6-43BE-8BEE-59565A35F4F7}" type="datetimeFigureOut">
               <a:rPr kumimoji="1" lang="ja-JP" altLang="en-US" smtClean="0"/>
-              <a:t>2022/5/23</a:t>
+              <a:t>2022/6/29</a:t>
             </a:fld>
             <a:endParaRPr kumimoji="1" lang="ja-JP" altLang="en-US"/>
           </a:p>
@@ -5570,6 +5570,10 @@
             <a:r>
               <a:rPr kumimoji="1" lang="ja-JP" altLang="en-US" dirty="0"/>
               <a:t>行にわたる場合は</a:t>
+            </a:r>
+            <a:r>
+              <a:rPr kumimoji="1" lang="en-US" altLang="ja-JP" dirty="0"/>
+              <a:t/>
             </a:r>
             <a:br>
               <a:rPr kumimoji="1" lang="en-US" altLang="ja-JP" dirty="0"/>
@@ -7680,7 +7684,7 @@
           <a:p>
             <a:fld id="{56F9016B-CCA6-43BE-8BEE-59565A35F4F7}" type="datetimeFigureOut">
               <a:rPr kumimoji="1" lang="ja-JP" altLang="en-US" smtClean="0"/>
-              <a:t>2022/5/23</a:t>
+              <a:t>2022/6/29</a:t>
             </a:fld>
             <a:endParaRPr kumimoji="1" lang="ja-JP" altLang="en-US"/>
           </a:p>
@@ -13229,6 +13233,10 @@
               <a:rPr lang="ja-JP" altLang="en-US" dirty="0"/>
               <a:t>を入力します。</a:t>
             </a:r>
+            <a:r>
+              <a:rPr lang="en-US" altLang="ja-JP" dirty="0"/>
+              <a:t/>
+            </a:r>
             <a:br>
               <a:rPr lang="en-US" altLang="ja-JP" dirty="0"/>
             </a:br>
@@ -29641,6 +29649,10 @@
               <a:rPr kumimoji="1" lang="ja-JP" altLang="en-US" dirty="0"/>
               <a:t>の作成と代入値の登録が終了しました。</a:t>
             </a:r>
+            <a:r>
+              <a:rPr kumimoji="1" lang="en-US" altLang="ja-JP" dirty="0"/>
+              <a:t/>
+            </a:r>
             <a:br>
               <a:rPr kumimoji="1" lang="en-US" altLang="ja-JP" dirty="0"/>
             </a:br>
@@ -30994,6 +31006,10 @@
             <a:r>
               <a:rPr kumimoji="1" lang="ja-JP" altLang="en-US" dirty="0"/>
               <a:t>。</a:t>
+            </a:r>
+            <a:r>
+              <a:rPr kumimoji="1" lang="en-US" altLang="ja-JP" dirty="0"/>
+              <a:t/>
             </a:r>
             <a:br>
               <a:rPr kumimoji="1" lang="en-US" altLang="ja-JP" dirty="0"/>
@@ -33165,6 +33181,10 @@
               <a:rPr lang="ja-JP" altLang="en-US" dirty="0"/>
               <a:t>を実際に実行しましょう。</a:t>
             </a:r>
+            <a:r>
+              <a:rPr kumimoji="1" lang="en-US" altLang="ja-JP" dirty="0"/>
+              <a:t/>
+            </a:r>
             <a:br>
               <a:rPr kumimoji="1" lang="en-US" altLang="ja-JP" dirty="0"/>
             </a:br>
@@ -33549,6 +33569,10 @@
               <a:rPr kumimoji="1" lang="ja-JP" altLang="en-US" dirty="0"/>
               <a:t>を実行し、結果を対象ホストで確認してください。</a:t>
             </a:r>
+            <a:r>
+              <a:rPr kumimoji="1" lang="en-US" altLang="ja-JP" sz="1200" dirty="0"/>
+              <a:t/>
+            </a:r>
             <a:br>
               <a:rPr kumimoji="1" lang="en-US" altLang="ja-JP" sz="1200" dirty="0"/>
             </a:br>
@@ -34821,6 +34845,10 @@
             <a:r>
               <a:rPr kumimoji="1" lang="ja-JP" altLang="en-US" dirty="0"/>
               <a:t>投入データや出力データを確認することも可能です。</a:t>
+            </a:r>
+            <a:r>
+              <a:rPr kumimoji="1" lang="en-US" altLang="ja-JP" dirty="0"/>
+              <a:t/>
             </a:r>
             <a:br>
               <a:rPr kumimoji="1" lang="en-US" altLang="ja-JP" dirty="0"/>
@@ -38188,7 +38216,7 @@
       </p:sp>
       <p:sp>
         <p:nvSpPr>
-          <p:cNvPr id="5" name="テキスト ボックス 4"/>
+          <p:cNvPr id="5" name="テキスト ボックス 12"/>
           <p:cNvSpPr txBox="1"/>
           <p:nvPr/>
         </p:nvSpPr>
@@ -38223,7 +38251,7 @@
           <p:nvPr>
             <p:extLst>
               <p:ext uri="{D42A27DB-BD31-4B8C-83A1-F6EECF244321}">
-                <p14:modId xmlns:p14="http://schemas.microsoft.com/office/powerpoint/2010/main" val="492142380"/>
+                <p14:modId xmlns:p14="http://schemas.microsoft.com/office/powerpoint/2010/main" val="1114968135"/>
               </p:ext>
             </p:extLst>
           </p:nvPr>
@@ -38632,8 +38660,27 @@
                           <a:ea typeface="+mn-ea"/>
                           <a:cs typeface="+mn-cs"/>
                         </a:rPr>
-                        <a:t> 1.9</a:t>
-                      </a:r>
+                        <a:t> </a:t>
+                      </a:r>
+                      <a:r>
+                        <a:rPr kumimoji="1" lang="en-US" altLang="ja-JP" sz="1600" kern="1200" dirty="0" smtClean="0">
+                          <a:solidFill>
+                            <a:sysClr val="windowText" lastClr="000000"/>
+                          </a:solidFill>
+                          <a:latin typeface="+mn-lt"/>
+                          <a:ea typeface="+mn-ea"/>
+                          <a:cs typeface="+mn-cs"/>
+                        </a:rPr>
+                        <a:t>1.10</a:t>
+                      </a:r>
+                      <a:endParaRPr kumimoji="1" lang="en-US" altLang="ja-JP" sz="1600" kern="1200" dirty="0">
+                        <a:solidFill>
+                          <a:sysClr val="windowText" lastClr="000000"/>
+                        </a:solidFill>
+                        <a:latin typeface="+mn-lt"/>
+                        <a:ea typeface="+mn-ea"/>
+                        <a:cs typeface="+mn-cs"/>
+                      </a:endParaRPr>
                     </a:p>
                   </a:txBody>
                   <a:tcPr anchor="ctr">
